--- a/01_Analisis/Estadisticas y Resultados.pptx
+++ b/01_Analisis/Estadisticas y Resultados.pptx
@@ -244,7 +244,7 @@
           <a:p>
             <a:fld id="{D0DCDFB3-D385-45D1-9FB6-5DEA5FA0C6FE}" type="datetimeFigureOut">
               <a:rPr lang="es-PE" smtClean="0"/>
-              <a:t>11/01/2024</a:t>
+              <a:t>12/01/2024</a:t>
             </a:fld>
             <a:endParaRPr lang="es-PE"/>
           </a:p>
@@ -421,7 +421,7 @@
           <a:p>
             <a:fld id="{C93C8398-A9F7-4CE2-900C-78B070332CEB}" type="datetimeFigureOut">
               <a:rPr lang="es-PE" smtClean="0"/>
-              <a:t>11/01/2024</a:t>
+              <a:t>12/01/2024</a:t>
             </a:fld>
             <a:endParaRPr lang="es-PE"/>
           </a:p>
@@ -977,7 +977,7 @@
             <a:fld id="{7BF28A98-F1F1-114A-A921-719DAA7DFDBD}" type="datetimeFigureOut">
               <a:rPr lang="es-PE" smtClean="0"/>
               <a:pPr/>
-              <a:t>11/01/2024</a:t>
+              <a:t>12/01/2024</a:t>
             </a:fld>
             <a:endParaRPr lang="es-PE"/>
           </a:p>
@@ -1372,7 +1372,7 @@
           <a:p>
             <a:fld id="{7BF28A98-F1F1-114A-A921-719DAA7DFDBD}" type="datetimeFigureOut">
               <a:rPr lang="es-PE" smtClean="0"/>
-              <a:t>11/01/2024</a:t>
+              <a:t>12/01/2024</a:t>
             </a:fld>
             <a:endParaRPr lang="es-PE"/>
           </a:p>
@@ -1485,7 +1485,7 @@
           <a:p>
             <a:fld id="{7BF28A98-F1F1-114A-A921-719DAA7DFDBD}" type="datetimeFigureOut">
               <a:rPr lang="es-PE" smtClean="0"/>
-              <a:t>11/01/2024</a:t>
+              <a:t>12/01/2024</a:t>
             </a:fld>
             <a:endParaRPr lang="es-PE"/>
           </a:p>
@@ -1606,7 +1606,7 @@
           <a:p>
             <a:fld id="{7BF28A98-F1F1-114A-A921-719DAA7DFDBD}" type="datetimeFigureOut">
               <a:rPr lang="es-PE" smtClean="0"/>
-              <a:t>11/01/2024</a:t>
+              <a:t>12/01/2024</a:t>
             </a:fld>
             <a:endParaRPr lang="es-PE"/>
           </a:p>
@@ -2007,7 +2007,7 @@
           <a:p>
             <a:fld id="{7BF28A98-F1F1-114A-A921-719DAA7DFDBD}" type="datetimeFigureOut">
               <a:rPr lang="es-PE" smtClean="0"/>
-              <a:t>11/01/2024</a:t>
+              <a:t>12/01/2024</a:t>
             </a:fld>
             <a:endParaRPr lang="es-PE"/>
           </a:p>
@@ -2296,7 +2296,7 @@
           <a:p>
             <a:fld id="{7BF28A98-F1F1-114A-A921-719DAA7DFDBD}" type="datetimeFigureOut">
               <a:rPr lang="es-PE" smtClean="0"/>
-              <a:t>11/01/2024</a:t>
+              <a:t>12/01/2024</a:t>
             </a:fld>
             <a:endParaRPr lang="es-PE"/>
           </a:p>
@@ -2496,7 +2496,7 @@
           <a:p>
             <a:fld id="{7BF28A98-F1F1-114A-A921-719DAA7DFDBD}" type="datetimeFigureOut">
               <a:rPr lang="es-PE" smtClean="0"/>
-              <a:t>11/01/2024</a:t>
+              <a:t>12/01/2024</a:t>
             </a:fld>
             <a:endParaRPr lang="es-PE"/>
           </a:p>
@@ -2706,7 +2706,7 @@
           <a:p>
             <a:fld id="{7BF28A98-F1F1-114A-A921-719DAA7DFDBD}" type="datetimeFigureOut">
               <a:rPr lang="es-PE" smtClean="0"/>
-              <a:t>11/01/2024</a:t>
+              <a:t>12/01/2024</a:t>
             </a:fld>
             <a:endParaRPr lang="es-PE"/>
           </a:p>
@@ -2864,7 +2864,7 @@
           <a:p>
             <a:fld id="{7BF28A98-F1F1-114A-A921-719DAA7DFDBD}" type="datetimeFigureOut">
               <a:rPr lang="es-PE" smtClean="0"/>
-              <a:t>11/01/2024</a:t>
+              <a:t>12/01/2024</a:t>
             </a:fld>
             <a:endParaRPr lang="es-PE"/>
           </a:p>
@@ -3297,7 +3297,7 @@
           <a:p>
             <a:fld id="{7BF28A98-F1F1-114A-A921-719DAA7DFDBD}" type="datetimeFigureOut">
               <a:rPr lang="es-PE" smtClean="0"/>
-              <a:t>11/01/2024</a:t>
+              <a:t>12/01/2024</a:t>
             </a:fld>
             <a:endParaRPr lang="es-PE"/>
           </a:p>
@@ -3729,7 +3729,7 @@
           <a:p>
             <a:fld id="{7BF28A98-F1F1-114A-A921-719DAA7DFDBD}" type="datetimeFigureOut">
               <a:rPr lang="es-PE" smtClean="0"/>
-              <a:t>11/01/2024</a:t>
+              <a:t>12/01/2024</a:t>
             </a:fld>
             <a:endParaRPr lang="es-PE"/>
           </a:p>
@@ -4099,7 +4099,7 @@
           <a:p>
             <a:fld id="{7BF28A98-F1F1-114A-A921-719DAA7DFDBD}" type="datetimeFigureOut">
               <a:rPr lang="es-PE" smtClean="0"/>
-              <a:t>11/01/2024</a:t>
+              <a:t>12/01/2024</a:t>
             </a:fld>
             <a:endParaRPr lang="es-PE"/>
           </a:p>
@@ -4479,7 +4479,7 @@
           <a:p>
             <a:fld id="{7BF28A98-F1F1-114A-A921-719DAA7DFDBD}" type="datetimeFigureOut">
               <a:rPr lang="es-PE" smtClean="0"/>
-              <a:t>11/01/2024</a:t>
+              <a:t>12/01/2024</a:t>
             </a:fld>
             <a:endParaRPr lang="es-PE"/>
           </a:p>
@@ -4792,7 +4792,7 @@
           <a:p>
             <a:fld id="{7BF28A98-F1F1-114A-A921-719DAA7DFDBD}" type="datetimeFigureOut">
               <a:rPr lang="es-PE" smtClean="0"/>
-              <a:t>11/01/2024</a:t>
+              <a:t>12/01/2024</a:t>
             </a:fld>
             <a:endParaRPr lang="es-PE"/>
           </a:p>
@@ -5254,7 +5254,7 @@
           <a:p>
             <a:fld id="{7BF28A98-F1F1-114A-A921-719DAA7DFDBD}" type="datetimeFigureOut">
               <a:rPr lang="es-PE" smtClean="0"/>
-              <a:t>11/01/2024</a:t>
+              <a:t>12/01/2024</a:t>
             </a:fld>
             <a:endParaRPr lang="es-PE"/>
           </a:p>
@@ -5522,7 +5522,7 @@
           <a:p>
             <a:fld id="{7BF28A98-F1F1-114A-A921-719DAA7DFDBD}" type="datetimeFigureOut">
               <a:rPr lang="es-PE" smtClean="0"/>
-              <a:t>11/01/2024</a:t>
+              <a:t>12/01/2024</a:t>
             </a:fld>
             <a:endParaRPr lang="es-PE"/>
           </a:p>
@@ -5765,7 +5765,7 @@
           <a:p>
             <a:fld id="{7BF28A98-F1F1-114A-A921-719DAA7DFDBD}" type="datetimeFigureOut">
               <a:rPr lang="es-PE" smtClean="0"/>
-              <a:t>11/01/2024</a:t>
+              <a:t>12/01/2024</a:t>
             </a:fld>
             <a:endParaRPr lang="es-PE"/>
           </a:p>
@@ -6625,7 +6625,7 @@
         </p:nvSpPr>
         <p:spPr>
           <a:xfrm>
-            <a:off x="1104182" y="3287380"/>
+            <a:off x="1199072" y="3356391"/>
             <a:ext cx="2286000" cy="1323439"/>
           </a:xfrm>
           <a:prstGeom prst="rect">
@@ -9039,6 +9039,19 @@
 </file>
 
 <file path=customXml/item1.xml><?xml version="1.0" encoding="utf-8"?>
+<p:properties xmlns:p="http://schemas.microsoft.com/office/2006/metadata/properties" xmlns:xsi="http://www.w3.org/2001/XMLSchema-instance" xmlns:pc="http://schemas.microsoft.com/office/infopath/2007/PartnerControls">
+  <documentManagement>
+    <lcf76f155ced4ddcb4097134ff3c332f xmlns="46d0320e-5f6e-4d42-9f2e-84d7edd19252">
+      <Terms xmlns="http://schemas.microsoft.com/office/infopath/2007/PartnerControls"/>
+    </lcf76f155ced4ddcb4097134ff3c332f>
+    <TaxCatchAll xmlns="1cf76789-9884-496e-8af4-adcbaf9d512d" xsi:nil="true"/>
+    <_ip_UnifiedCompliancePolicyUIAction xmlns="http://schemas.microsoft.com/sharepoint/v3" xsi:nil="true"/>
+    <_ip_UnifiedCompliancePolicyProperties xmlns="http://schemas.microsoft.com/sharepoint/v3" xsi:nil="true"/>
+  </documentManagement>
+</p:properties>
+</file>
+
+<file path=customXml/item2.xml><?xml version="1.0" encoding="utf-8"?>
 <ct:contentTypeSchema xmlns:ct="http://schemas.microsoft.com/office/2006/metadata/contentType" xmlns:ma="http://schemas.microsoft.com/office/2006/metadata/properties/metaAttributes" ct:_="" ma:_="" ma:contentTypeName="Documento" ma:contentTypeID="0x010100C252CF317EEF844BB5FB90F26C269611" ma:contentTypeVersion="15" ma:contentTypeDescription="Crear nuevo documento." ma:contentTypeScope="" ma:versionID="ca5d58f902e0bcc761fc1779d7961464">
   <xsd:schema xmlns:xsd="http://www.w3.org/2001/XMLSchema" xmlns:xs="http://www.w3.org/2001/XMLSchema" xmlns:p="http://schemas.microsoft.com/office/2006/metadata/properties" xmlns:ns1="http://schemas.microsoft.com/sharepoint/v3" xmlns:ns2="46d0320e-5f6e-4d42-9f2e-84d7edd19252" xmlns:ns3="1cf76789-9884-496e-8af4-adcbaf9d512d" targetNamespace="http://schemas.microsoft.com/office/2006/metadata/properties" ma:root="true" ma:fieldsID="a7d676fa91386f7f995c7b4d7b54392c" ns1:_="" ns2:_="" ns3:_="">
     <xsd:import namespace="http://schemas.microsoft.com/sharepoint/v3"/>
@@ -9278,19 +9291,6 @@
 </ct:contentTypeSchema>
 </file>
 
-<file path=customXml/item2.xml><?xml version="1.0" encoding="utf-8"?>
-<p:properties xmlns:p="http://schemas.microsoft.com/office/2006/metadata/properties" xmlns:xsi="http://www.w3.org/2001/XMLSchema-instance" xmlns:pc="http://schemas.microsoft.com/office/infopath/2007/PartnerControls">
-  <documentManagement>
-    <lcf76f155ced4ddcb4097134ff3c332f xmlns="46d0320e-5f6e-4d42-9f2e-84d7edd19252">
-      <Terms xmlns="http://schemas.microsoft.com/office/infopath/2007/PartnerControls"/>
-    </lcf76f155ced4ddcb4097134ff3c332f>
-    <TaxCatchAll xmlns="1cf76789-9884-496e-8af4-adcbaf9d512d" xsi:nil="true"/>
-    <_ip_UnifiedCompliancePolicyUIAction xmlns="http://schemas.microsoft.com/sharepoint/v3" xsi:nil="true"/>
-    <_ip_UnifiedCompliancePolicyProperties xmlns="http://schemas.microsoft.com/sharepoint/v3" xsi:nil="true"/>
-  </documentManagement>
-</p:properties>
-</file>
-
 <file path=customXml/item3.xml><?xml version="1.0" encoding="utf-8"?>
 <?mso-contentType ?>
 <FormTemplates xmlns="http://schemas.microsoft.com/sharepoint/v3/contenttype/forms">
@@ -9301,6 +9301,24 @@
 </file>
 
 <file path=customXml/itemProps1.xml><?xml version="1.0" encoding="utf-8"?>
+<ds:datastoreItem xmlns:ds="http://schemas.openxmlformats.org/officeDocument/2006/customXml" ds:itemID="{F3FDD34D-06F1-4263-B6FB-0798BAD9A619}">
+  <ds:schemaRefs>
+    <ds:schemaRef ds:uri="1cf76789-9884-496e-8af4-adcbaf9d512d"/>
+    <ds:schemaRef ds:uri="46d0320e-5f6e-4d42-9f2e-84d7edd19252"/>
+    <ds:schemaRef ds:uri="http://purl.org/dc/dcmitype/"/>
+    <ds:schemaRef ds:uri="http://purl.org/dc/elements/1.1/"/>
+    <ds:schemaRef ds:uri="http://purl.org/dc/terms/"/>
+    <ds:schemaRef ds:uri="http://schemas.microsoft.com/office/2006/documentManagement/types"/>
+    <ds:schemaRef ds:uri="http://schemas.microsoft.com/office/2006/metadata/properties"/>
+    <ds:schemaRef ds:uri="http://schemas.microsoft.com/office/infopath/2007/PartnerControls"/>
+    <ds:schemaRef ds:uri="http://schemas.microsoft.com/sharepoint/v3"/>
+    <ds:schemaRef ds:uri="http://schemas.openxmlformats.org/package/2006/metadata/core-properties"/>
+    <ds:schemaRef ds:uri="http://www.w3.org/XML/1998/namespace"/>
+  </ds:schemaRefs>
+</ds:datastoreItem>
+</file>
+
+<file path=customXml/itemProps2.xml><?xml version="1.0" encoding="utf-8"?>
 <ds:datastoreItem xmlns:ds="http://schemas.openxmlformats.org/officeDocument/2006/customXml" ds:itemID="{0421872D-8DDD-4856-9405-2C7712D90A77}">
   <ds:schemaRefs>
     <ds:schemaRef ds:uri="1cf76789-9884-496e-8af4-adcbaf9d512d"/>
@@ -9320,24 +9338,6 @@
 </ds:datastoreItem>
 </file>
 
-<file path=customXml/itemProps2.xml><?xml version="1.0" encoding="utf-8"?>
-<ds:datastoreItem xmlns:ds="http://schemas.openxmlformats.org/officeDocument/2006/customXml" ds:itemID="{F3FDD34D-06F1-4263-B6FB-0798BAD9A619}">
-  <ds:schemaRefs>
-    <ds:schemaRef ds:uri="1cf76789-9884-496e-8af4-adcbaf9d512d"/>
-    <ds:schemaRef ds:uri="46d0320e-5f6e-4d42-9f2e-84d7edd19252"/>
-    <ds:schemaRef ds:uri="http://purl.org/dc/dcmitype/"/>
-    <ds:schemaRef ds:uri="http://purl.org/dc/elements/1.1/"/>
-    <ds:schemaRef ds:uri="http://purl.org/dc/terms/"/>
-    <ds:schemaRef ds:uri="http://schemas.microsoft.com/office/2006/documentManagement/types"/>
-    <ds:schemaRef ds:uri="http://schemas.microsoft.com/office/2006/metadata/properties"/>
-    <ds:schemaRef ds:uri="http://schemas.microsoft.com/office/infopath/2007/PartnerControls"/>
-    <ds:schemaRef ds:uri="http://schemas.microsoft.com/sharepoint/v3"/>
-    <ds:schemaRef ds:uri="http://schemas.openxmlformats.org/package/2006/metadata/core-properties"/>
-    <ds:schemaRef ds:uri="http://www.w3.org/XML/1998/namespace"/>
-  </ds:schemaRefs>
-</ds:datastoreItem>
-</file>
-
 <file path=customXml/itemProps3.xml><?xml version="1.0" encoding="utf-8"?>
 <ds:datastoreItem xmlns:ds="http://schemas.openxmlformats.org/officeDocument/2006/customXml" ds:itemID="{B8768B20-82ED-47FA-98FD-C2A350943A78}">
   <ds:schemaRefs>

--- a/01_Analisis/Estadisticas y Resultados.pptx
+++ b/01_Analisis/Estadisticas y Resultados.pptx
@@ -5,20 +5,19 @@
     <p:sldMasterId id="2147483648" r:id="rId4"/>
   </p:sldMasterIdLst>
   <p:notesMasterIdLst>
-    <p:notesMasterId r:id="rId13"/>
+    <p:notesMasterId r:id="rId12"/>
   </p:notesMasterIdLst>
   <p:handoutMasterIdLst>
-    <p:handoutMasterId r:id="rId14"/>
+    <p:handoutMasterId r:id="rId13"/>
   </p:handoutMasterIdLst>
   <p:sldIdLst>
     <p:sldId id="4053" r:id="rId5"/>
-    <p:sldId id="4109" r:id="rId6"/>
-    <p:sldId id="4108" r:id="rId7"/>
-    <p:sldId id="4110" r:id="rId8"/>
-    <p:sldId id="4111" r:id="rId9"/>
-    <p:sldId id="4113" r:id="rId10"/>
-    <p:sldId id="4112" r:id="rId11"/>
-    <p:sldId id="4114" r:id="rId12"/>
+    <p:sldId id="4110" r:id="rId6"/>
+    <p:sldId id="4109" r:id="rId7"/>
+    <p:sldId id="4108" r:id="rId8"/>
+    <p:sldId id="4115" r:id="rId9"/>
+    <p:sldId id="4116" r:id="rId10"/>
+    <p:sldId id="4117" r:id="rId11"/>
   </p:sldIdLst>
   <p:sldSz cx="12192000" cy="6858000"/>
   <p:notesSz cx="6808788" cy="9940925"/>
@@ -123,13 +122,12 @@
         <p14:section name="Sección predeterminada" id="{51F0C324-9988-4E76-B8AC-7FC33E6A2939}">
           <p14:sldIdLst>
             <p14:sldId id="4053"/>
+            <p14:sldId id="4110"/>
             <p14:sldId id="4109"/>
             <p14:sldId id="4108"/>
-            <p14:sldId id="4110"/>
-            <p14:sldId id="4111"/>
-            <p14:sldId id="4113"/>
-            <p14:sldId id="4112"/>
-            <p14:sldId id="4114"/>
+            <p14:sldId id="4115"/>
+            <p14:sldId id="4116"/>
+            <p14:sldId id="4117"/>
           </p14:sldIdLst>
         </p14:section>
       </p14:sectionLst>
@@ -6374,7 +6372,7 @@
               <a:rPr lang="es-ES" b="1" dirty="0">
                 <a:cs typeface="Arial"/>
               </a:rPr>
-              <a:t>Estadísticas</a:t>
+              <a:t>Resultados</a:t>
             </a:r>
             <a:endParaRPr lang="es-ES" b="1" dirty="0"/>
           </a:p>
@@ -6385,7 +6383,7 @@
           <p:cNvPr id="3" name="CuadroTexto 2">
             <a:extLst>
               <a:ext uri="{FF2B5EF4-FFF2-40B4-BE49-F238E27FC236}">
-                <a16:creationId xmlns:a16="http://schemas.microsoft.com/office/drawing/2014/main" id="{F8B3E25C-5FB2-69BE-6C34-0D5534CE1670}"/>
+                <a16:creationId xmlns:a16="http://schemas.microsoft.com/office/drawing/2014/main" id="{CE18BC00-52D8-FA81-EAF1-84CFC777257A}"/>
               </a:ext>
             </a:extLst>
           </p:cNvPr>
@@ -6394,8 +6392,8 @@
         </p:nvSpPr>
         <p:spPr>
           <a:xfrm>
-            <a:off x="838200" y="2286001"/>
-            <a:ext cx="3562710" cy="400110"/>
+            <a:off x="838200" y="1224951"/>
+            <a:ext cx="4822166" cy="369332"/>
           </a:xfrm>
           <a:prstGeom prst="rect">
             <a:avLst/>
@@ -6408,21 +6406,20 @@
           </a:bodyPr>
           <a:lstStyle/>
           <a:p>
-            <a:pPr algn="ctr"/>
-            <a:r>
-              <a:rPr lang="es-MX" sz="2000" b="1" dirty="0"/>
-              <a:t>Estadísticas de bwilt23.3</a:t>
-            </a:r>
-            <a:endParaRPr lang="es-PE" sz="2000" b="1" dirty="0"/>
-          </a:p>
-        </p:txBody>
-      </p:sp>
-      <p:sp>
-        <p:nvSpPr>
-          <p:cNvPr id="4" name="CuadroTexto 3">
-            <a:extLst>
-              <a:ext uri="{FF2B5EF4-FFF2-40B4-BE49-F238E27FC236}">
-                <a16:creationId xmlns:a16="http://schemas.microsoft.com/office/drawing/2014/main" id="{6208CA2A-4E6E-7AFC-214E-6E587BE61B19}"/>
+            <a:r>
+              <a:rPr lang="es-MX" b="1" dirty="0"/>
+              <a:t>Consideraciones y Estimaciones </a:t>
+            </a:r>
+            <a:endParaRPr lang="es-PE" b="1" dirty="0"/>
+          </a:p>
+        </p:txBody>
+      </p:sp>
+      <p:sp>
+        <p:nvSpPr>
+          <p:cNvPr id="7" name="CuadroTexto 6">
+            <a:extLst>
+              <a:ext uri="{FF2B5EF4-FFF2-40B4-BE49-F238E27FC236}">
+                <a16:creationId xmlns:a16="http://schemas.microsoft.com/office/drawing/2014/main" id="{43791CDC-473F-F009-7FCA-8EBE2F8B3AA6}"/>
               </a:ext>
             </a:extLst>
           </p:cNvPr>
@@ -6431,8 +6428,8 @@
         </p:nvSpPr>
         <p:spPr>
           <a:xfrm>
-            <a:off x="1381665" y="3304633"/>
-            <a:ext cx="2286000" cy="1323439"/>
+            <a:off x="1155940" y="1846053"/>
+            <a:ext cx="9550530" cy="3884397"/>
           </a:xfrm>
           <a:prstGeom prst="rect">
             <a:avLst/>
@@ -6445,115 +6442,90 @@
           </a:bodyPr>
           <a:lstStyle/>
           <a:p>
-            <a:pPr algn="ctr"/>
-            <a:r>
-              <a:rPr lang="es-MX" sz="2000" b="1" dirty="0" err="1"/>
-              <a:t>std</a:t>
-            </a:r>
-            <a:r>
-              <a:rPr lang="es-MX" sz="2000" b="1" dirty="0"/>
-              <a:t> = 1.51</a:t>
-            </a:r>
-          </a:p>
-          <a:p>
-            <a:pPr algn="ctr"/>
-            <a:r>
-              <a:rPr lang="es-MX" sz="2000" b="1" dirty="0"/>
-              <a:t>mean = 17.25</a:t>
-            </a:r>
-          </a:p>
-          <a:p>
-            <a:pPr algn="ctr"/>
-            <a:r>
-              <a:rPr lang="es-MX" sz="2000" b="1" dirty="0"/>
-              <a:t>min = 9.10</a:t>
-            </a:r>
-          </a:p>
-          <a:p>
-            <a:pPr algn="ctr"/>
-            <a:r>
-              <a:rPr lang="es-MX" sz="2000" b="1" dirty="0" err="1"/>
-              <a:t>max</a:t>
-            </a:r>
-            <a:r>
-              <a:rPr lang="es-MX" sz="2000" b="1" dirty="0"/>
-              <a:t> = 19.96</a:t>
-            </a:r>
-            <a:endParaRPr lang="es-PE" sz="2000" b="1" dirty="0"/>
-          </a:p>
-        </p:txBody>
-      </p:sp>
-      <p:sp>
-        <p:nvSpPr>
-          <p:cNvPr id="5" name="CuadroTexto 4">
-            <a:extLst>
-              <a:ext uri="{FF2B5EF4-FFF2-40B4-BE49-F238E27FC236}">
-                <a16:creationId xmlns:a16="http://schemas.microsoft.com/office/drawing/2014/main" id="{059F4926-423B-1C7F-C2B0-68FAE0C4B6D1}"/>
-              </a:ext>
-            </a:extLst>
-          </p:cNvPr>
-          <p:cNvSpPr txBox="1"/>
-          <p:nvPr/>
-        </p:nvSpPr>
-        <p:spPr>
-          <a:xfrm>
-            <a:off x="743310" y="2904523"/>
-            <a:ext cx="3562710" cy="400110"/>
-          </a:xfrm>
-          <a:prstGeom prst="rect">
-            <a:avLst/>
-          </a:prstGeom>
-          <a:noFill/>
-        </p:spPr>
-        <p:txBody>
-          <a:bodyPr wrap="square" rtlCol="0">
-            <a:spAutoFit/>
-          </a:bodyPr>
-          <a:lstStyle/>
-          <a:p>
-            <a:pPr algn="ctr"/>
-            <a:r>
-              <a:rPr lang="es-MX" sz="2000" b="1" dirty="0"/>
-              <a:t>BWI</a:t>
-            </a:r>
-            <a:endParaRPr lang="es-PE" sz="2000" b="1" dirty="0"/>
-          </a:p>
-        </p:txBody>
-      </p:sp>
-      <p:pic>
-        <p:nvPicPr>
-          <p:cNvPr id="10" name="Imagen 9">
-            <a:extLst>
-              <a:ext uri="{FF2B5EF4-FFF2-40B4-BE49-F238E27FC236}">
-                <a16:creationId xmlns:a16="http://schemas.microsoft.com/office/drawing/2014/main" id="{0B1EB8A6-9AE7-ED47-DC40-44FD6EEBDEF1}"/>
-              </a:ext>
-            </a:extLst>
-          </p:cNvPr>
-          <p:cNvPicPr>
-            <a:picLocks noChangeAspect="1"/>
-          </p:cNvPicPr>
-          <p:nvPr/>
-        </p:nvPicPr>
-        <p:blipFill>
-          <a:blip r:embed="rId2"/>
-          <a:stretch>
-            <a:fillRect/>
-          </a:stretch>
-        </p:blipFill>
-        <p:spPr>
-          <a:xfrm>
-            <a:off x="4615851" y="1218200"/>
-            <a:ext cx="6832839" cy="5274674"/>
-          </a:xfrm>
-          <a:prstGeom prst="rect">
-            <a:avLst/>
-          </a:prstGeom>
-        </p:spPr>
-      </p:pic>
+            <a:pPr marL="285750" indent="-285750">
+              <a:lnSpc>
+                <a:spcPct val="200000"/>
+              </a:lnSpc>
+              <a:buFont typeface="Arial" panose="020B0604020202020204" pitchFamily="34" charset="0"/>
+              <a:buChar char="•"/>
+            </a:pPr>
+            <a:r>
+              <a:rPr lang="es-MX" dirty="0"/>
+              <a:t>Se realizó una comparación respecto al error en las predicciones entregadas por GeologyML23, respecto</a:t>
+            </a:r>
+            <a:r>
+              <a:rPr lang="es-PE" dirty="0"/>
+              <a:t> al archivo Excel bwilt23.3 entregado por el equipo de geología </a:t>
+            </a:r>
+            <a:r>
+              <a:rPr lang="es-PE" dirty="0" err="1"/>
+              <a:t>Hudbay</a:t>
+            </a:r>
+            <a:r>
+              <a:rPr lang="es-PE" dirty="0"/>
+              <a:t> al equipo de </a:t>
+            </a:r>
+            <a:r>
+              <a:rPr lang="es-PE" dirty="0" err="1"/>
+              <a:t>Research</a:t>
+            </a:r>
+            <a:r>
+              <a:rPr lang="es-PE" dirty="0"/>
+              <a:t> de </a:t>
+            </a:r>
+            <a:r>
+              <a:rPr lang="es-PE" dirty="0" err="1"/>
+              <a:t>Stracon</a:t>
+            </a:r>
+            <a:r>
+              <a:rPr lang="es-PE" dirty="0"/>
+              <a:t> </a:t>
+            </a:r>
+            <a:r>
+              <a:rPr lang="es-PE" dirty="0" err="1"/>
+              <a:t>Tech</a:t>
+            </a:r>
+            <a:r>
+              <a:rPr lang="es-PE" dirty="0"/>
+              <a:t>.</a:t>
+            </a:r>
+          </a:p>
+          <a:p>
+            <a:pPr marL="285750" indent="-285750">
+              <a:lnSpc>
+                <a:spcPct val="200000"/>
+              </a:lnSpc>
+              <a:buFont typeface="Arial" panose="020B0604020202020204" pitchFamily="34" charset="0"/>
+              <a:buChar char="•"/>
+            </a:pPr>
+            <a:r>
+              <a:rPr lang="es-PE" dirty="0">
+                <a:highlight>
+                  <a:srgbClr val="FFFF00"/>
+                </a:highlight>
+              </a:rPr>
+              <a:t>Se llegó a alcanzar la meta de estar por debajo de un error del 5%</a:t>
+            </a:r>
+          </a:p>
+          <a:p>
+            <a:pPr marL="285750" indent="-285750">
+              <a:lnSpc>
+                <a:spcPct val="200000"/>
+              </a:lnSpc>
+              <a:buFont typeface="Arial" panose="020B0604020202020204" pitchFamily="34" charset="0"/>
+              <a:buChar char="•"/>
+            </a:pPr>
+            <a:r>
+              <a:rPr lang="es-MX" dirty="0"/>
+              <a:t>Las métricas y estadísticas mostradas a continuación son las otorgadas por el Modelo GeologyML23, sin tomar en consideración los limites recomendados por el Ing. Omar Gutiérrez, únicamente con el fin de comparar resultados.</a:t>
+            </a:r>
+          </a:p>
+        </p:txBody>
+      </p:sp>
     </p:spTree>
     <p:extLst>
       <p:ext uri="{BB962C8B-B14F-4D97-AF65-F5344CB8AC3E}">
-        <p14:creationId xmlns:p14="http://schemas.microsoft.com/office/powerpoint/2010/main" val="1853568889"/>
+        <p14:creationId xmlns:p14="http://schemas.microsoft.com/office/powerpoint/2010/main" val="177400069"/>
       </p:ext>
     </p:extLst>
   </p:cSld>
@@ -6616,7 +6588,7 @@
           <p:cNvPr id="3" name="CuadroTexto 2">
             <a:extLst>
               <a:ext uri="{FF2B5EF4-FFF2-40B4-BE49-F238E27FC236}">
-                <a16:creationId xmlns:a16="http://schemas.microsoft.com/office/drawing/2014/main" id="{F992463A-9ACF-D3BD-F59A-BD3F0473D3CC}"/>
+                <a16:creationId xmlns:a16="http://schemas.microsoft.com/office/drawing/2014/main" id="{F8B3E25C-5FB2-69BE-6C34-0D5534CE1670}"/>
               </a:ext>
             </a:extLst>
           </p:cNvPr>
@@ -6625,8 +6597,8 @@
         </p:nvSpPr>
         <p:spPr>
           <a:xfrm>
-            <a:off x="1199072" y="3356391"/>
-            <a:ext cx="2286000" cy="1323439"/>
+            <a:off x="596661" y="1139636"/>
+            <a:ext cx="3562710" cy="400110"/>
           </a:xfrm>
           <a:prstGeom prst="rect">
             <a:avLst/>
@@ -6639,39 +6611,9 @@
           </a:bodyPr>
           <a:lstStyle/>
           <a:p>
-            <a:pPr algn="ctr"/>
-            <a:r>
-              <a:rPr lang="es-MX" sz="2000" b="1" dirty="0" err="1"/>
-              <a:t>std</a:t>
-            </a:r>
             <a:r>
               <a:rPr lang="es-MX" sz="2000" b="1" dirty="0"/>
-              <a:t> = 27.8</a:t>
-            </a:r>
-          </a:p>
-          <a:p>
-            <a:pPr algn="ctr"/>
-            <a:r>
-              <a:rPr lang="es-MX" sz="2000" b="1" dirty="0"/>
-              <a:t>mean = 127.89</a:t>
-            </a:r>
-          </a:p>
-          <a:p>
-            <a:pPr algn="ctr"/>
-            <a:r>
-              <a:rPr lang="es-MX" sz="2000" b="1" dirty="0"/>
-              <a:t>min = 29.92</a:t>
-            </a:r>
-          </a:p>
-          <a:p>
-            <a:pPr algn="ctr"/>
-            <a:r>
-              <a:rPr lang="es-MX" sz="2000" b="1" dirty="0" err="1"/>
-              <a:t>max</a:t>
-            </a:r>
-            <a:r>
-              <a:rPr lang="es-MX" sz="2000" b="1" dirty="0"/>
-              <a:t> = 183.13</a:t>
+              <a:t>Estadísticas de bwilt23.3</a:t>
             </a:r>
             <a:endParaRPr lang="es-PE" sz="2000" b="1" dirty="0"/>
           </a:p>
@@ -6679,10 +6621,10 @@
       </p:sp>
       <p:sp>
         <p:nvSpPr>
-          <p:cNvPr id="5" name="CuadroTexto 4">
-            <a:extLst>
-              <a:ext uri="{FF2B5EF4-FFF2-40B4-BE49-F238E27FC236}">
-                <a16:creationId xmlns:a16="http://schemas.microsoft.com/office/drawing/2014/main" id="{C2954377-EC3E-91A7-0B84-85BEBD005DD2}"/>
+          <p:cNvPr id="4" name="CuadroTexto 3">
+            <a:extLst>
+              <a:ext uri="{FF2B5EF4-FFF2-40B4-BE49-F238E27FC236}">
+                <a16:creationId xmlns:a16="http://schemas.microsoft.com/office/drawing/2014/main" id="{6208CA2A-4E6E-7AFC-214E-6E587BE61B19}"/>
               </a:ext>
             </a:extLst>
           </p:cNvPr>
@@ -6691,8 +6633,8 @@
         </p:nvSpPr>
         <p:spPr>
           <a:xfrm>
-            <a:off x="465827" y="2887270"/>
-            <a:ext cx="3562710" cy="400110"/>
+            <a:off x="598097" y="1939856"/>
+            <a:ext cx="2286000" cy="1323439"/>
           </a:xfrm>
           <a:prstGeom prst="rect">
             <a:avLst/>
@@ -6705,10 +6647,51 @@
           </a:bodyPr>
           <a:lstStyle/>
           <a:p>
-            <a:pPr algn="ctr"/>
+            <a:pPr marL="342900" indent="-342900">
+              <a:buFont typeface="Arial" panose="020B0604020202020204" pitchFamily="34" charset="0"/>
+              <a:buChar char="•"/>
+            </a:pPr>
+            <a:r>
+              <a:rPr lang="es-MX" sz="2000" b="1" dirty="0" err="1"/>
+              <a:t>std</a:t>
+            </a:r>
             <a:r>
               <a:rPr lang="es-MX" sz="2000" b="1" dirty="0"/>
-              <a:t>SPI</a:t>
+              <a:t> = 1.51</a:t>
+            </a:r>
+          </a:p>
+          <a:p>
+            <a:pPr marL="342900" indent="-342900">
+              <a:buFont typeface="Arial" panose="020B0604020202020204" pitchFamily="34" charset="0"/>
+              <a:buChar char="•"/>
+            </a:pPr>
+            <a:r>
+              <a:rPr lang="es-MX" sz="2000" b="1" dirty="0"/>
+              <a:t>mean = 17.25</a:t>
+            </a:r>
+          </a:p>
+          <a:p>
+            <a:pPr marL="342900" indent="-342900">
+              <a:buFont typeface="Arial" panose="020B0604020202020204" pitchFamily="34" charset="0"/>
+              <a:buChar char="•"/>
+            </a:pPr>
+            <a:r>
+              <a:rPr lang="es-MX" sz="2000" b="1" dirty="0"/>
+              <a:t>min = 9.10</a:t>
+            </a:r>
+          </a:p>
+          <a:p>
+            <a:pPr marL="342900" indent="-342900">
+              <a:buFont typeface="Arial" panose="020B0604020202020204" pitchFamily="34" charset="0"/>
+              <a:buChar char="•"/>
+            </a:pPr>
+            <a:r>
+              <a:rPr lang="es-MX" sz="2000" b="1" dirty="0" err="1"/>
+              <a:t>max</a:t>
+            </a:r>
+            <a:r>
+              <a:rPr lang="es-MX" sz="2000" b="1" dirty="0"/>
+              <a:t> = 19.96</a:t>
             </a:r>
             <a:endParaRPr lang="es-PE" sz="2000" b="1" dirty="0"/>
           </a:p>
@@ -6716,10 +6699,10 @@
       </p:sp>
       <p:sp>
         <p:nvSpPr>
-          <p:cNvPr id="7" name="CuadroTexto 6">
-            <a:extLst>
-              <a:ext uri="{FF2B5EF4-FFF2-40B4-BE49-F238E27FC236}">
-                <a16:creationId xmlns:a16="http://schemas.microsoft.com/office/drawing/2014/main" id="{30AC8D5A-5A62-D261-DE71-214B2A5DF446}"/>
+          <p:cNvPr id="5" name="CuadroTexto 4">
+            <a:extLst>
+              <a:ext uri="{FF2B5EF4-FFF2-40B4-BE49-F238E27FC236}">
+                <a16:creationId xmlns:a16="http://schemas.microsoft.com/office/drawing/2014/main" id="{059F4926-423B-1C7F-C2B0-68FAE0C4B6D1}"/>
               </a:ext>
             </a:extLst>
           </p:cNvPr>
@@ -6728,7 +6711,7 @@
         </p:nvSpPr>
         <p:spPr>
           <a:xfrm>
-            <a:off x="560717" y="2268748"/>
+            <a:off x="596661" y="1539746"/>
             <a:ext cx="3562710" cy="400110"/>
           </a:xfrm>
           <a:prstGeom prst="rect">
@@ -6742,10 +6725,9 @@
           </a:bodyPr>
           <a:lstStyle/>
           <a:p>
-            <a:pPr algn="ctr"/>
             <a:r>
               <a:rPr lang="es-MX" sz="2000" b="1" dirty="0"/>
-              <a:t>Estadísticas de bwilt23.3</a:t>
+              <a:t>BWI</a:t>
             </a:r>
             <a:endParaRPr lang="es-PE" sz="2000" b="1" dirty="0"/>
           </a:p>
@@ -6753,10 +6735,10 @@
       </p:sp>
       <p:pic>
         <p:nvPicPr>
-          <p:cNvPr id="12" name="Imagen 11">
-            <a:extLst>
-              <a:ext uri="{FF2B5EF4-FFF2-40B4-BE49-F238E27FC236}">
-                <a16:creationId xmlns:a16="http://schemas.microsoft.com/office/drawing/2014/main" id="{77B95343-B844-4342-1462-0B247C2580A1}"/>
+          <p:cNvPr id="10" name="Imagen 9">
+            <a:extLst>
+              <a:ext uri="{FF2B5EF4-FFF2-40B4-BE49-F238E27FC236}">
+                <a16:creationId xmlns:a16="http://schemas.microsoft.com/office/drawing/2014/main" id="{0B1EB8A6-9AE7-ED47-DC40-44FD6EEBDEF1}"/>
               </a:ext>
             </a:extLst>
           </p:cNvPr>
@@ -6773,18 +6755,243 @@
         </p:blipFill>
         <p:spPr>
           <a:xfrm>
-            <a:off x="4670242" y="1165128"/>
-            <a:ext cx="6796665" cy="5327746"/>
+            <a:off x="276376" y="3263295"/>
+            <a:ext cx="4444817" cy="3431218"/>
           </a:xfrm>
           <a:prstGeom prst="rect">
             <a:avLst/>
           </a:prstGeom>
         </p:spPr>
       </p:pic>
+      <p:sp>
+        <p:nvSpPr>
+          <p:cNvPr id="6" name="CuadroTexto 5">
+            <a:extLst>
+              <a:ext uri="{FF2B5EF4-FFF2-40B4-BE49-F238E27FC236}">
+                <a16:creationId xmlns:a16="http://schemas.microsoft.com/office/drawing/2014/main" id="{03EC3A98-B498-441E-28DE-3613BA80C283}"/>
+              </a:ext>
+            </a:extLst>
+          </p:cNvPr>
+          <p:cNvSpPr txBox="1"/>
+          <p:nvPr/>
+        </p:nvSpPr>
+        <p:spPr>
+          <a:xfrm>
+            <a:off x="5107557" y="1139636"/>
+            <a:ext cx="4297394" cy="400110"/>
+          </a:xfrm>
+          <a:prstGeom prst="rect">
+            <a:avLst/>
+          </a:prstGeom>
+          <a:noFill/>
+        </p:spPr>
+        <p:txBody>
+          <a:bodyPr wrap="square" rtlCol="0">
+            <a:spAutoFit/>
+          </a:bodyPr>
+          <a:lstStyle/>
+          <a:p>
+            <a:r>
+              <a:rPr lang="es-MX" sz="2000" b="1" dirty="0"/>
+              <a:t>Estadísticas de GeologyML23</a:t>
+            </a:r>
+            <a:endParaRPr lang="es-PE" sz="2000" b="1" dirty="0"/>
+          </a:p>
+        </p:txBody>
+      </p:sp>
+      <p:sp>
+        <p:nvSpPr>
+          <p:cNvPr id="7" name="CuadroTexto 6">
+            <a:extLst>
+              <a:ext uri="{FF2B5EF4-FFF2-40B4-BE49-F238E27FC236}">
+                <a16:creationId xmlns:a16="http://schemas.microsoft.com/office/drawing/2014/main" id="{D28A8A02-6E36-08BF-9D2C-5A723A95F146}"/>
+              </a:ext>
+            </a:extLst>
+          </p:cNvPr>
+          <p:cNvSpPr txBox="1"/>
+          <p:nvPr/>
+        </p:nvSpPr>
+        <p:spPr>
+          <a:xfrm>
+            <a:off x="5107171" y="1862216"/>
+            <a:ext cx="2286000" cy="1323439"/>
+          </a:xfrm>
+          <a:prstGeom prst="rect">
+            <a:avLst/>
+          </a:prstGeom>
+          <a:noFill/>
+        </p:spPr>
+        <p:txBody>
+          <a:bodyPr wrap="square" rtlCol="0">
+            <a:spAutoFit/>
+          </a:bodyPr>
+          <a:lstStyle/>
+          <a:p>
+            <a:pPr marL="342900" indent="-342900">
+              <a:buFont typeface="Arial" panose="020B0604020202020204" pitchFamily="34" charset="0"/>
+              <a:buChar char="•"/>
+            </a:pPr>
+            <a:r>
+              <a:rPr lang="es-MX" sz="2000" b="1" dirty="0" err="1"/>
+              <a:t>std</a:t>
+            </a:r>
+            <a:r>
+              <a:rPr lang="es-MX" sz="2000" b="1" dirty="0"/>
+              <a:t> = 1.15</a:t>
+            </a:r>
+          </a:p>
+          <a:p>
+            <a:pPr marL="342900" indent="-342900">
+              <a:buFont typeface="Arial" panose="020B0604020202020204" pitchFamily="34" charset="0"/>
+              <a:buChar char="•"/>
+            </a:pPr>
+            <a:r>
+              <a:rPr lang="es-MX" sz="2000" b="1" dirty="0"/>
+              <a:t>mean = 17.56</a:t>
+            </a:r>
+          </a:p>
+          <a:p>
+            <a:pPr marL="342900" indent="-342900">
+              <a:buFont typeface="Arial" panose="020B0604020202020204" pitchFamily="34" charset="0"/>
+              <a:buChar char="•"/>
+            </a:pPr>
+            <a:r>
+              <a:rPr lang="es-MX" sz="2000" b="1" dirty="0"/>
+              <a:t>min = 11.20</a:t>
+            </a:r>
+          </a:p>
+          <a:p>
+            <a:pPr marL="342900" indent="-342900">
+              <a:buFont typeface="Arial" panose="020B0604020202020204" pitchFamily="34" charset="0"/>
+              <a:buChar char="•"/>
+            </a:pPr>
+            <a:r>
+              <a:rPr lang="es-MX" sz="2000" b="1" dirty="0" err="1"/>
+              <a:t>max</a:t>
+            </a:r>
+            <a:r>
+              <a:rPr lang="es-MX" sz="2000" b="1" dirty="0"/>
+              <a:t> = 19.27</a:t>
+            </a:r>
+            <a:endParaRPr lang="es-PE" sz="2000" b="1" dirty="0"/>
+          </a:p>
+        </p:txBody>
+      </p:sp>
+      <p:sp>
+        <p:nvSpPr>
+          <p:cNvPr id="8" name="CuadroTexto 7">
+            <a:extLst>
+              <a:ext uri="{FF2B5EF4-FFF2-40B4-BE49-F238E27FC236}">
+                <a16:creationId xmlns:a16="http://schemas.microsoft.com/office/drawing/2014/main" id="{FEBDB68B-3A98-B268-7DB4-7DA45424CBE6}"/>
+              </a:ext>
+            </a:extLst>
+          </p:cNvPr>
+          <p:cNvSpPr txBox="1"/>
+          <p:nvPr/>
+        </p:nvSpPr>
+        <p:spPr>
+          <a:xfrm>
+            <a:off x="5107171" y="1449524"/>
+            <a:ext cx="3562710" cy="400110"/>
+          </a:xfrm>
+          <a:prstGeom prst="rect">
+            <a:avLst/>
+          </a:prstGeom>
+          <a:noFill/>
+        </p:spPr>
+        <p:txBody>
+          <a:bodyPr wrap="square" rtlCol="0">
+            <a:spAutoFit/>
+          </a:bodyPr>
+          <a:lstStyle/>
+          <a:p>
+            <a:r>
+              <a:rPr lang="es-MX" sz="2000" b="1" dirty="0"/>
+              <a:t>BWI</a:t>
+            </a:r>
+            <a:endParaRPr lang="es-PE" sz="2000" b="1" dirty="0"/>
+          </a:p>
+        </p:txBody>
+      </p:sp>
+      <p:pic>
+        <p:nvPicPr>
+          <p:cNvPr id="11" name="Imagen 10">
+            <a:extLst>
+              <a:ext uri="{FF2B5EF4-FFF2-40B4-BE49-F238E27FC236}">
+                <a16:creationId xmlns:a16="http://schemas.microsoft.com/office/drawing/2014/main" id="{F4C76061-E025-C35B-BCC8-2E80D4959929}"/>
+              </a:ext>
+            </a:extLst>
+          </p:cNvPr>
+          <p:cNvPicPr>
+            <a:picLocks noChangeAspect="1"/>
+          </p:cNvPicPr>
+          <p:nvPr/>
+        </p:nvPicPr>
+        <p:blipFill>
+          <a:blip r:embed="rId3"/>
+          <a:stretch>
+            <a:fillRect/>
+          </a:stretch>
+        </p:blipFill>
+        <p:spPr>
+          <a:xfrm>
+            <a:off x="5107171" y="3294591"/>
+            <a:ext cx="4444816" cy="3368626"/>
+          </a:xfrm>
+          <a:prstGeom prst="rect">
+            <a:avLst/>
+          </a:prstGeom>
+        </p:spPr>
+      </p:pic>
+      <p:sp>
+        <p:nvSpPr>
+          <p:cNvPr id="12" name="CuadroTexto 11">
+            <a:extLst>
+              <a:ext uri="{FF2B5EF4-FFF2-40B4-BE49-F238E27FC236}">
+                <a16:creationId xmlns:a16="http://schemas.microsoft.com/office/drawing/2014/main" id="{CFB071EC-777A-0AF3-3EB4-A31D30B44764}"/>
+              </a:ext>
+            </a:extLst>
+          </p:cNvPr>
+          <p:cNvSpPr txBox="1"/>
+          <p:nvPr/>
+        </p:nvSpPr>
+        <p:spPr>
+          <a:xfrm>
+            <a:off x="9551987" y="4778849"/>
+            <a:ext cx="2286000" cy="400110"/>
+          </a:xfrm>
+          <a:prstGeom prst="rect">
+            <a:avLst/>
+          </a:prstGeom>
+          <a:noFill/>
+        </p:spPr>
+        <p:txBody>
+          <a:bodyPr wrap="square" rtlCol="0">
+            <a:spAutoFit/>
+          </a:bodyPr>
+          <a:lstStyle/>
+          <a:p>
+            <a:pPr algn="ctr"/>
+            <a:r>
+              <a:rPr lang="es-MX" sz="2000" b="1" dirty="0">
+                <a:solidFill>
+                  <a:srgbClr val="FF0000"/>
+                </a:solidFill>
+              </a:rPr>
+              <a:t>Error = 1.79%</a:t>
+            </a:r>
+            <a:endParaRPr lang="es-PE" sz="2000" b="1" dirty="0">
+              <a:solidFill>
+                <a:srgbClr val="FF0000"/>
+              </a:solidFill>
+            </a:endParaRPr>
+          </a:p>
+        </p:txBody>
+      </p:sp>
     </p:spTree>
     <p:extLst>
       <p:ext uri="{BB962C8B-B14F-4D97-AF65-F5344CB8AC3E}">
-        <p14:creationId xmlns:p14="http://schemas.microsoft.com/office/powerpoint/2010/main" val="117187989"/>
+        <p14:creationId xmlns:p14="http://schemas.microsoft.com/office/powerpoint/2010/main" val="1853568889"/>
       </p:ext>
     </p:extLst>
   </p:cSld>
@@ -6811,12 +7018,193 @@
           <a:chExt cx="0" cy="0"/>
         </a:xfrm>
       </p:grpSpPr>
+      <p:sp>
+        <p:nvSpPr>
+          <p:cNvPr id="2" name="Título 1">
+            <a:extLst>
+              <a:ext uri="{FF2B5EF4-FFF2-40B4-BE49-F238E27FC236}">
+                <a16:creationId xmlns:a16="http://schemas.microsoft.com/office/drawing/2014/main" id="{02D5FBDF-E52A-C706-4C29-141EC6320B19}"/>
+              </a:ext>
+            </a:extLst>
+          </p:cNvPr>
+          <p:cNvSpPr>
+            <a:spLocks noGrp="1"/>
+          </p:cNvSpPr>
+          <p:nvPr>
+            <p:ph type="title"/>
+          </p:nvPr>
+        </p:nvSpPr>
+        <p:spPr/>
+        <p:txBody>
+          <a:bodyPr/>
+          <a:lstStyle/>
+          <a:p>
+            <a:r>
+              <a:rPr lang="es-ES" b="1" dirty="0">
+                <a:cs typeface="Arial"/>
+              </a:rPr>
+              <a:t>Estadísticas </a:t>
+            </a:r>
+            <a:endParaRPr lang="es-ES" b="1" dirty="0"/>
+          </a:p>
+        </p:txBody>
+      </p:sp>
+      <p:sp>
+        <p:nvSpPr>
+          <p:cNvPr id="3" name="CuadroTexto 2">
+            <a:extLst>
+              <a:ext uri="{FF2B5EF4-FFF2-40B4-BE49-F238E27FC236}">
+                <a16:creationId xmlns:a16="http://schemas.microsoft.com/office/drawing/2014/main" id="{F992463A-9ACF-D3BD-F59A-BD3F0473D3CC}"/>
+              </a:ext>
+            </a:extLst>
+          </p:cNvPr>
+          <p:cNvSpPr txBox="1"/>
+          <p:nvPr/>
+        </p:nvSpPr>
+        <p:spPr>
+          <a:xfrm>
+            <a:off x="324321" y="2105561"/>
+            <a:ext cx="2286000" cy="1323439"/>
+          </a:xfrm>
+          <a:prstGeom prst="rect">
+            <a:avLst/>
+          </a:prstGeom>
+          <a:noFill/>
+        </p:spPr>
+        <p:txBody>
+          <a:bodyPr wrap="square" rtlCol="0">
+            <a:spAutoFit/>
+          </a:bodyPr>
+          <a:lstStyle/>
+          <a:p>
+            <a:pPr marL="342900" indent="-342900">
+              <a:buFont typeface="Arial" panose="020B0604020202020204" pitchFamily="34" charset="0"/>
+              <a:buChar char="•"/>
+            </a:pPr>
+            <a:r>
+              <a:rPr lang="es-MX" sz="2000" b="1" dirty="0" err="1"/>
+              <a:t>std</a:t>
+            </a:r>
+            <a:r>
+              <a:rPr lang="es-MX" sz="2000" b="1" dirty="0"/>
+              <a:t> = 27.8</a:t>
+            </a:r>
+          </a:p>
+          <a:p>
+            <a:pPr marL="342900" indent="-342900">
+              <a:buFont typeface="Arial" panose="020B0604020202020204" pitchFamily="34" charset="0"/>
+              <a:buChar char="•"/>
+            </a:pPr>
+            <a:r>
+              <a:rPr lang="es-MX" sz="2000" b="1" dirty="0"/>
+              <a:t>mean = 127.89</a:t>
+            </a:r>
+          </a:p>
+          <a:p>
+            <a:pPr marL="342900" indent="-342900">
+              <a:buFont typeface="Arial" panose="020B0604020202020204" pitchFamily="34" charset="0"/>
+              <a:buChar char="•"/>
+            </a:pPr>
+            <a:r>
+              <a:rPr lang="es-MX" sz="2000" b="1" dirty="0"/>
+              <a:t>min = 29.92</a:t>
+            </a:r>
+          </a:p>
+          <a:p>
+            <a:pPr marL="342900" indent="-342900">
+              <a:buFont typeface="Arial" panose="020B0604020202020204" pitchFamily="34" charset="0"/>
+              <a:buChar char="•"/>
+            </a:pPr>
+            <a:r>
+              <a:rPr lang="es-MX" sz="2000" b="1" dirty="0" err="1"/>
+              <a:t>max</a:t>
+            </a:r>
+            <a:r>
+              <a:rPr lang="es-MX" sz="2000" b="1" dirty="0"/>
+              <a:t> = 183.13</a:t>
+            </a:r>
+            <a:endParaRPr lang="es-PE" sz="2000" b="1" dirty="0"/>
+          </a:p>
+        </p:txBody>
+      </p:sp>
+      <p:sp>
+        <p:nvSpPr>
+          <p:cNvPr id="5" name="CuadroTexto 4">
+            <a:extLst>
+              <a:ext uri="{FF2B5EF4-FFF2-40B4-BE49-F238E27FC236}">
+                <a16:creationId xmlns:a16="http://schemas.microsoft.com/office/drawing/2014/main" id="{C2954377-EC3E-91A7-0B84-85BEBD005DD2}"/>
+              </a:ext>
+            </a:extLst>
+          </p:cNvPr>
+          <p:cNvSpPr txBox="1"/>
+          <p:nvPr/>
+        </p:nvSpPr>
+        <p:spPr>
+          <a:xfrm>
+            <a:off x="324321" y="1682699"/>
+            <a:ext cx="3562710" cy="400110"/>
+          </a:xfrm>
+          <a:prstGeom prst="rect">
+            <a:avLst/>
+          </a:prstGeom>
+          <a:noFill/>
+        </p:spPr>
+        <p:txBody>
+          <a:bodyPr wrap="square" rtlCol="0">
+            <a:spAutoFit/>
+          </a:bodyPr>
+          <a:lstStyle/>
+          <a:p>
+            <a:r>
+              <a:rPr lang="es-MX" sz="2000" b="1" dirty="0"/>
+              <a:t>SPI</a:t>
+            </a:r>
+            <a:endParaRPr lang="es-PE" sz="2000" b="1" dirty="0"/>
+          </a:p>
+        </p:txBody>
+      </p:sp>
+      <p:sp>
+        <p:nvSpPr>
+          <p:cNvPr id="7" name="CuadroTexto 6">
+            <a:extLst>
+              <a:ext uri="{FF2B5EF4-FFF2-40B4-BE49-F238E27FC236}">
+                <a16:creationId xmlns:a16="http://schemas.microsoft.com/office/drawing/2014/main" id="{30AC8D5A-5A62-D261-DE71-214B2A5DF446}"/>
+              </a:ext>
+            </a:extLst>
+          </p:cNvPr>
+          <p:cNvSpPr txBox="1"/>
+          <p:nvPr/>
+        </p:nvSpPr>
+        <p:spPr>
+          <a:xfrm>
+            <a:off x="324321" y="1282589"/>
+            <a:ext cx="3562710" cy="400110"/>
+          </a:xfrm>
+          <a:prstGeom prst="rect">
+            <a:avLst/>
+          </a:prstGeom>
+          <a:noFill/>
+        </p:spPr>
+        <p:txBody>
+          <a:bodyPr wrap="square" rtlCol="0">
+            <a:spAutoFit/>
+          </a:bodyPr>
+          <a:lstStyle/>
+          <a:p>
+            <a:r>
+              <a:rPr lang="es-MX" sz="2000" b="1" dirty="0"/>
+              <a:t>Estadísticas de bwilt23.3</a:t>
+            </a:r>
+            <a:endParaRPr lang="es-PE" sz="2000" b="1" dirty="0"/>
+          </a:p>
+        </p:txBody>
+      </p:sp>
       <p:pic>
         <p:nvPicPr>
           <p:cNvPr id="12" name="Imagen 11">
             <a:extLst>
               <a:ext uri="{FF2B5EF4-FFF2-40B4-BE49-F238E27FC236}">
-                <a16:creationId xmlns:a16="http://schemas.microsoft.com/office/drawing/2014/main" id="{03047079-B996-39DA-D561-F9B86BCF799E}"/>
+                <a16:creationId xmlns:a16="http://schemas.microsoft.com/office/drawing/2014/main" id="{77B95343-B844-4342-1462-0B247C2580A1}"/>
               </a:ext>
             </a:extLst>
           </p:cNvPr>
@@ -6833,20 +7221,170 @@
         </p:blipFill>
         <p:spPr>
           <a:xfrm>
-            <a:off x="560858" y="1650948"/>
-            <a:ext cx="5476875" cy="4162425"/>
+            <a:off x="324321" y="3429000"/>
+            <a:ext cx="4214738" cy="3303834"/>
           </a:xfrm>
           <a:prstGeom prst="rect">
             <a:avLst/>
           </a:prstGeom>
         </p:spPr>
       </p:pic>
+      <p:sp>
+        <p:nvSpPr>
+          <p:cNvPr id="4" name="CuadroTexto 3">
+            <a:extLst>
+              <a:ext uri="{FF2B5EF4-FFF2-40B4-BE49-F238E27FC236}">
+                <a16:creationId xmlns:a16="http://schemas.microsoft.com/office/drawing/2014/main" id="{6AF7DC39-9354-DEAC-03CB-61C58753DE1F}"/>
+              </a:ext>
+            </a:extLst>
+          </p:cNvPr>
+          <p:cNvSpPr txBox="1"/>
+          <p:nvPr/>
+        </p:nvSpPr>
+        <p:spPr>
+          <a:xfrm>
+            <a:off x="4769068" y="2181855"/>
+            <a:ext cx="2286000" cy="1323439"/>
+          </a:xfrm>
+          <a:prstGeom prst="rect">
+            <a:avLst/>
+          </a:prstGeom>
+          <a:noFill/>
+        </p:spPr>
+        <p:txBody>
+          <a:bodyPr wrap="square" rtlCol="0">
+            <a:spAutoFit/>
+          </a:bodyPr>
+          <a:lstStyle/>
+          <a:p>
+            <a:pPr marL="342900" indent="-342900">
+              <a:buFont typeface="Arial" panose="020B0604020202020204" pitchFamily="34" charset="0"/>
+              <a:buChar char="•"/>
+            </a:pPr>
+            <a:r>
+              <a:rPr lang="es-MX" sz="2000" b="1" dirty="0" err="1"/>
+              <a:t>std</a:t>
+            </a:r>
+            <a:r>
+              <a:rPr lang="es-MX" sz="2000" b="1" dirty="0"/>
+              <a:t> = 19.2</a:t>
+            </a:r>
+          </a:p>
+          <a:p>
+            <a:pPr marL="342900" indent="-342900">
+              <a:buFont typeface="Arial" panose="020B0604020202020204" pitchFamily="34" charset="0"/>
+              <a:buChar char="•"/>
+            </a:pPr>
+            <a:r>
+              <a:rPr lang="es-MX" sz="2000" b="1" dirty="0"/>
+              <a:t>mean = 131.81</a:t>
+            </a:r>
+          </a:p>
+          <a:p>
+            <a:pPr marL="342900" indent="-342900">
+              <a:buFont typeface="Arial" panose="020B0604020202020204" pitchFamily="34" charset="0"/>
+              <a:buChar char="•"/>
+            </a:pPr>
+            <a:r>
+              <a:rPr lang="es-MX" sz="2000" b="1" dirty="0"/>
+              <a:t>min = 46.42</a:t>
+            </a:r>
+          </a:p>
+          <a:p>
+            <a:pPr marL="342900" indent="-342900">
+              <a:buFont typeface="Arial" panose="020B0604020202020204" pitchFamily="34" charset="0"/>
+              <a:buChar char="•"/>
+            </a:pPr>
+            <a:r>
+              <a:rPr lang="es-MX" sz="2000" b="1" dirty="0" err="1"/>
+              <a:t>max</a:t>
+            </a:r>
+            <a:r>
+              <a:rPr lang="es-MX" sz="2000" b="1" dirty="0"/>
+              <a:t> = 181.92</a:t>
+            </a:r>
+            <a:endParaRPr lang="es-PE" sz="2000" b="1" dirty="0"/>
+          </a:p>
+        </p:txBody>
+      </p:sp>
+      <p:sp>
+        <p:nvSpPr>
+          <p:cNvPr id="6" name="CuadroTexto 5">
+            <a:extLst>
+              <a:ext uri="{FF2B5EF4-FFF2-40B4-BE49-F238E27FC236}">
+                <a16:creationId xmlns:a16="http://schemas.microsoft.com/office/drawing/2014/main" id="{376E20B1-7D3F-9EA0-7027-B7F9B8F7A85C}"/>
+              </a:ext>
+            </a:extLst>
+          </p:cNvPr>
+          <p:cNvSpPr txBox="1"/>
+          <p:nvPr/>
+        </p:nvSpPr>
+        <p:spPr>
+          <a:xfrm>
+            <a:off x="4742261" y="1705451"/>
+            <a:ext cx="3562710" cy="400110"/>
+          </a:xfrm>
+          <a:prstGeom prst="rect">
+            <a:avLst/>
+          </a:prstGeom>
+          <a:noFill/>
+        </p:spPr>
+        <p:txBody>
+          <a:bodyPr wrap="square" rtlCol="0">
+            <a:spAutoFit/>
+          </a:bodyPr>
+          <a:lstStyle/>
+          <a:p>
+            <a:r>
+              <a:rPr lang="es-MX" sz="2000" b="1" dirty="0"/>
+              <a:t>SPI</a:t>
+            </a:r>
+            <a:endParaRPr lang="es-PE" sz="2000" b="1" dirty="0"/>
+          </a:p>
+        </p:txBody>
+      </p:sp>
+      <p:sp>
+        <p:nvSpPr>
+          <p:cNvPr id="8" name="CuadroTexto 7">
+            <a:extLst>
+              <a:ext uri="{FF2B5EF4-FFF2-40B4-BE49-F238E27FC236}">
+                <a16:creationId xmlns:a16="http://schemas.microsoft.com/office/drawing/2014/main" id="{65BC6C44-2575-1AC8-64FD-5619C0313D30}"/>
+              </a:ext>
+            </a:extLst>
+          </p:cNvPr>
+          <p:cNvSpPr txBox="1"/>
+          <p:nvPr/>
+        </p:nvSpPr>
+        <p:spPr>
+          <a:xfrm>
+            <a:off x="4775299" y="1267194"/>
+            <a:ext cx="4208506" cy="400110"/>
+          </a:xfrm>
+          <a:prstGeom prst="rect">
+            <a:avLst/>
+          </a:prstGeom>
+          <a:noFill/>
+        </p:spPr>
+        <p:txBody>
+          <a:bodyPr wrap="square" rtlCol="0">
+            <a:spAutoFit/>
+          </a:bodyPr>
+          <a:lstStyle/>
+          <a:p>
+            <a:r>
+              <a:rPr lang="es-MX" sz="2000" b="1" dirty="0"/>
+              <a:t>Estadísticas de GeologyML23</a:t>
+            </a:r>
+            <a:endParaRPr lang="es-PE" sz="2000" b="1" dirty="0"/>
+          </a:p>
+        </p:txBody>
+      </p:sp>
       <p:pic>
         <p:nvPicPr>
-          <p:cNvPr id="5" name="Imagen 4">
-            <a:extLst>
-              <a:ext uri="{FF2B5EF4-FFF2-40B4-BE49-F238E27FC236}">
-                <a16:creationId xmlns:a16="http://schemas.microsoft.com/office/drawing/2014/main" id="{8F12BD5B-F0D5-3D44-F2DF-6040B1482999}"/>
+          <p:cNvPr id="10" name="Imagen 9">
+            <a:extLst>
+              <a:ext uri="{FF2B5EF4-FFF2-40B4-BE49-F238E27FC236}">
+                <a16:creationId xmlns:a16="http://schemas.microsoft.com/office/drawing/2014/main" id="{64A7D789-9D73-E82A-8851-D1D4CF2DC3B8}"/>
               </a:ext>
             </a:extLst>
           </p:cNvPr>
@@ -6863,8 +7401,8 @@
         </p:blipFill>
         <p:spPr>
           <a:xfrm>
-            <a:off x="6387449" y="1665768"/>
-            <a:ext cx="5391150" cy="4162425"/>
+            <a:off x="4769068" y="3429000"/>
+            <a:ext cx="4214737" cy="3288720"/>
           </a:xfrm>
           <a:prstGeom prst="rect">
             <a:avLst/>
@@ -6873,41 +7411,10 @@
       </p:pic>
       <p:sp>
         <p:nvSpPr>
-          <p:cNvPr id="2" name="Título 1">
-            <a:extLst>
-              <a:ext uri="{FF2B5EF4-FFF2-40B4-BE49-F238E27FC236}">
-                <a16:creationId xmlns:a16="http://schemas.microsoft.com/office/drawing/2014/main" id="{02D5FBDF-E52A-C706-4C29-141EC6320B19}"/>
-              </a:ext>
-            </a:extLst>
-          </p:cNvPr>
-          <p:cNvSpPr>
-            <a:spLocks noGrp="1"/>
-          </p:cNvSpPr>
-          <p:nvPr>
-            <p:ph type="title"/>
-          </p:nvPr>
-        </p:nvSpPr>
-        <p:spPr/>
-        <p:txBody>
-          <a:bodyPr/>
-          <a:lstStyle/>
-          <a:p>
-            <a:r>
-              <a:rPr lang="es-ES" b="1" dirty="0">
-                <a:cs typeface="Arial"/>
-              </a:rPr>
-              <a:t>EDA – bwilt23</a:t>
-            </a:r>
-            <a:endParaRPr lang="es-ES" b="1" dirty="0"/>
-          </a:p>
-        </p:txBody>
-      </p:sp>
-      <p:sp>
-        <p:nvSpPr>
-          <p:cNvPr id="6" name="CuadroTexto 5">
-            <a:extLst>
-              <a:ext uri="{FF2B5EF4-FFF2-40B4-BE49-F238E27FC236}">
-                <a16:creationId xmlns:a16="http://schemas.microsoft.com/office/drawing/2014/main" id="{D7BEC932-B00F-2659-3B7F-C6936FDE53E3}"/>
+          <p:cNvPr id="11" name="CuadroTexto 10">
+            <a:extLst>
+              <a:ext uri="{FF2B5EF4-FFF2-40B4-BE49-F238E27FC236}">
+                <a16:creationId xmlns:a16="http://schemas.microsoft.com/office/drawing/2014/main" id="{4CDFA13A-134B-EFAC-4118-AB5BAA568F1D}"/>
               </a:ext>
             </a:extLst>
           </p:cNvPr>
@@ -6916,8 +7423,8 @@
         </p:nvSpPr>
         <p:spPr>
           <a:xfrm>
-            <a:off x="917275" y="1299533"/>
-            <a:ext cx="4770743" cy="369332"/>
+            <a:off x="9344953" y="4873305"/>
+            <a:ext cx="2286000" cy="400110"/>
           </a:xfrm>
           <a:prstGeom prst="rect">
             <a:avLst/>
@@ -6932,317 +7439,25 @@
           <a:p>
             <a:pPr algn="ctr"/>
             <a:r>
-              <a:rPr lang="es-MX" b="1" dirty="0"/>
-              <a:t>%N</a:t>
-            </a:r>
-            <a:r>
-              <a:rPr lang="es-PE" b="1" dirty="0"/>
-              <a:t>a - SPI</a:t>
-            </a:r>
-          </a:p>
-        </p:txBody>
-      </p:sp>
-      <p:sp>
-        <p:nvSpPr>
-          <p:cNvPr id="8" name="CuadroTexto 7">
-            <a:extLst>
-              <a:ext uri="{FF2B5EF4-FFF2-40B4-BE49-F238E27FC236}">
-                <a16:creationId xmlns:a16="http://schemas.microsoft.com/office/drawing/2014/main" id="{0BB34513-B8FD-57C2-66C8-8537ABDF53B6}"/>
-              </a:ext>
-            </a:extLst>
-          </p:cNvPr>
-          <p:cNvSpPr txBox="1"/>
-          <p:nvPr/>
-        </p:nvSpPr>
-        <p:spPr>
-          <a:xfrm>
-            <a:off x="6550685" y="1296436"/>
-            <a:ext cx="4856673" cy="369332"/>
-          </a:xfrm>
-          <a:prstGeom prst="rect">
-            <a:avLst/>
-          </a:prstGeom>
-          <a:noFill/>
-        </p:spPr>
-        <p:txBody>
-          <a:bodyPr wrap="square" rtlCol="0">
-            <a:spAutoFit/>
-          </a:bodyPr>
-          <a:lstStyle/>
-          <a:p>
-            <a:pPr algn="ctr"/>
-            <a:r>
-              <a:rPr lang="es-PE" b="1" dirty="0"/>
-              <a:t>%</a:t>
-            </a:r>
-            <a:r>
-              <a:rPr lang="es-PE" b="1" dirty="0" err="1"/>
-              <a:t>Na</a:t>
-            </a:r>
-            <a:r>
-              <a:rPr lang="es-PE" b="1" dirty="0"/>
-              <a:t> - BWI</a:t>
-            </a:r>
-          </a:p>
-        </p:txBody>
-      </p:sp>
-      <p:sp>
-        <p:nvSpPr>
-          <p:cNvPr id="16" name="Rectángulo 15">
-            <a:extLst>
-              <a:ext uri="{FF2B5EF4-FFF2-40B4-BE49-F238E27FC236}">
-                <a16:creationId xmlns:a16="http://schemas.microsoft.com/office/drawing/2014/main" id="{5AB72229-60D7-6380-94FD-01A640BDF38C}"/>
-              </a:ext>
-            </a:extLst>
-          </p:cNvPr>
-          <p:cNvSpPr/>
-          <p:nvPr/>
-        </p:nvSpPr>
-        <p:spPr>
-          <a:xfrm>
-            <a:off x="7147811" y="2339816"/>
-            <a:ext cx="472189" cy="2867235"/>
-          </a:xfrm>
-          <a:prstGeom prst="rect">
-            <a:avLst/>
-          </a:prstGeom>
-          <a:solidFill>
-            <a:schemeClr val="accent2">
-              <a:alpha val="50000"/>
-            </a:schemeClr>
-          </a:solidFill>
-          <a:ln>
-            <a:noFill/>
-          </a:ln>
-        </p:spPr>
-        <p:style>
-          <a:lnRef idx="0">
-            <a:scrgbClr r="0" g="0" b="0"/>
-          </a:lnRef>
-          <a:fillRef idx="0">
-            <a:scrgbClr r="0" g="0" b="0"/>
-          </a:fillRef>
-          <a:effectRef idx="0">
-            <a:scrgbClr r="0" g="0" b="0"/>
-          </a:effectRef>
-          <a:fontRef idx="minor">
-            <a:schemeClr val="lt1"/>
-          </a:fontRef>
-        </p:style>
-        <p:txBody>
-          <a:bodyPr rtlCol="0" anchor="ctr"/>
-          <a:lstStyle/>
-          <a:p>
-            <a:pPr algn="ctr"/>
-            <a:endParaRPr lang="es-PE"/>
-          </a:p>
-        </p:txBody>
-      </p:sp>
-      <p:sp>
-        <p:nvSpPr>
-          <p:cNvPr id="17" name="Rectángulo 16">
-            <a:extLst>
-              <a:ext uri="{FF2B5EF4-FFF2-40B4-BE49-F238E27FC236}">
-                <a16:creationId xmlns:a16="http://schemas.microsoft.com/office/drawing/2014/main" id="{2A53FDC8-2C4C-7B63-DA54-B1B84538C00C}"/>
-              </a:ext>
-            </a:extLst>
-          </p:cNvPr>
-          <p:cNvSpPr/>
-          <p:nvPr/>
-        </p:nvSpPr>
-        <p:spPr>
-          <a:xfrm>
-            <a:off x="7620001" y="1911712"/>
-            <a:ext cx="3454400" cy="2355487"/>
-          </a:xfrm>
-          <a:prstGeom prst="rect">
-            <a:avLst/>
-          </a:prstGeom>
-          <a:solidFill>
-            <a:srgbClr val="00B050">
-              <a:alpha val="50000"/>
-            </a:srgbClr>
-          </a:solidFill>
-          <a:ln>
-            <a:noFill/>
-          </a:ln>
-        </p:spPr>
-        <p:style>
-          <a:lnRef idx="0">
-            <a:scrgbClr r="0" g="0" b="0"/>
-          </a:lnRef>
-          <a:fillRef idx="0">
-            <a:scrgbClr r="0" g="0" b="0"/>
-          </a:fillRef>
-          <a:effectRef idx="0">
-            <a:scrgbClr r="0" g="0" b="0"/>
-          </a:effectRef>
-          <a:fontRef idx="minor">
-            <a:schemeClr val="lt1"/>
-          </a:fontRef>
-        </p:style>
-        <p:txBody>
-          <a:bodyPr rtlCol="0" anchor="ctr"/>
-          <a:lstStyle/>
-          <a:p>
-            <a:pPr algn="ctr"/>
-            <a:endParaRPr lang="es-PE" dirty="0"/>
-          </a:p>
-        </p:txBody>
-      </p:sp>
-      <p:sp>
-        <p:nvSpPr>
-          <p:cNvPr id="18" name="CuadroTexto 17">
-            <a:extLst>
-              <a:ext uri="{FF2B5EF4-FFF2-40B4-BE49-F238E27FC236}">
-                <a16:creationId xmlns:a16="http://schemas.microsoft.com/office/drawing/2014/main" id="{2D19D0DE-3B02-9C15-3D56-31719BF763BE}"/>
-              </a:ext>
-            </a:extLst>
-          </p:cNvPr>
-          <p:cNvSpPr txBox="1"/>
-          <p:nvPr/>
-        </p:nvSpPr>
-        <p:spPr>
-          <a:xfrm>
-            <a:off x="2386641" y="6064385"/>
-            <a:ext cx="7418717" cy="369332"/>
-          </a:xfrm>
-          <a:prstGeom prst="rect">
-            <a:avLst/>
-          </a:prstGeom>
-          <a:noFill/>
-        </p:spPr>
-        <p:txBody>
-          <a:bodyPr wrap="square" rtlCol="0">
-            <a:spAutoFit/>
-          </a:bodyPr>
-          <a:lstStyle/>
-          <a:p>
-            <a:pPr algn="ctr"/>
-            <a:r>
-              <a:rPr lang="es-MX" b="1" i="1" dirty="0"/>
-              <a:t>Se respeta la segmentación establecida en %</a:t>
-            </a:r>
-            <a:r>
-              <a:rPr lang="es-MX" b="1" i="1" dirty="0" err="1"/>
-              <a:t>Na</a:t>
-            </a:r>
-            <a:r>
-              <a:rPr lang="es-MX" b="1" i="1" dirty="0"/>
-              <a:t> en 0.5%</a:t>
-            </a:r>
-            <a:endParaRPr lang="es-PE" b="1" i="1" dirty="0"/>
-          </a:p>
-        </p:txBody>
-      </p:sp>
-      <p:sp>
-        <p:nvSpPr>
-          <p:cNvPr id="19" name="Rectángulo 18">
-            <a:extLst>
-              <a:ext uri="{FF2B5EF4-FFF2-40B4-BE49-F238E27FC236}">
-                <a16:creationId xmlns:a16="http://schemas.microsoft.com/office/drawing/2014/main" id="{C84C234F-CBC6-8697-3857-8C652646072C}"/>
-              </a:ext>
-            </a:extLst>
-          </p:cNvPr>
-          <p:cNvSpPr/>
-          <p:nvPr/>
-        </p:nvSpPr>
-        <p:spPr>
-          <a:xfrm>
-            <a:off x="1416648" y="2777066"/>
-            <a:ext cx="530685" cy="2429985"/>
-          </a:xfrm>
-          <a:prstGeom prst="rect">
-            <a:avLst/>
-          </a:prstGeom>
-          <a:solidFill>
-            <a:schemeClr val="accent2">
-              <a:alpha val="50000"/>
-            </a:schemeClr>
-          </a:solidFill>
-          <a:ln>
-            <a:noFill/>
-          </a:ln>
-        </p:spPr>
-        <p:style>
-          <a:lnRef idx="0">
-            <a:scrgbClr r="0" g="0" b="0"/>
-          </a:lnRef>
-          <a:fillRef idx="0">
-            <a:scrgbClr r="0" g="0" b="0"/>
-          </a:fillRef>
-          <a:effectRef idx="0">
-            <a:scrgbClr r="0" g="0" b="0"/>
-          </a:effectRef>
-          <a:fontRef idx="minor">
-            <a:schemeClr val="lt1"/>
-          </a:fontRef>
-        </p:style>
-        <p:txBody>
-          <a:bodyPr rtlCol="0" anchor="ctr"/>
-          <a:lstStyle/>
-          <a:p>
-            <a:pPr algn="ctr"/>
-            <a:endParaRPr lang="es-PE"/>
-          </a:p>
-        </p:txBody>
-      </p:sp>
-      <p:sp>
-        <p:nvSpPr>
-          <p:cNvPr id="20" name="Rectángulo 19">
-            <a:extLst>
-              <a:ext uri="{FF2B5EF4-FFF2-40B4-BE49-F238E27FC236}">
-                <a16:creationId xmlns:a16="http://schemas.microsoft.com/office/drawing/2014/main" id="{6AEAC7AA-28A3-61EF-738F-D6A11B83C4CB}"/>
-              </a:ext>
-            </a:extLst>
-          </p:cNvPr>
-          <p:cNvSpPr/>
-          <p:nvPr/>
-        </p:nvSpPr>
-        <p:spPr>
-          <a:xfrm>
-            <a:off x="1947332" y="1847728"/>
-            <a:ext cx="3335867" cy="2639606"/>
-          </a:xfrm>
-          <a:prstGeom prst="rect">
-            <a:avLst/>
-          </a:prstGeom>
-          <a:solidFill>
-            <a:srgbClr val="00B050">
-              <a:alpha val="50000"/>
-            </a:srgbClr>
-          </a:solidFill>
-          <a:ln>
-            <a:noFill/>
-          </a:ln>
-        </p:spPr>
-        <p:style>
-          <a:lnRef idx="0">
-            <a:scrgbClr r="0" g="0" b="0"/>
-          </a:lnRef>
-          <a:fillRef idx="0">
-            <a:scrgbClr r="0" g="0" b="0"/>
-          </a:fillRef>
-          <a:effectRef idx="0">
-            <a:scrgbClr r="0" g="0" b="0"/>
-          </a:effectRef>
-          <a:fontRef idx="minor">
-            <a:schemeClr val="lt1"/>
-          </a:fontRef>
-        </p:style>
-        <p:txBody>
-          <a:bodyPr rtlCol="0" anchor="ctr"/>
-          <a:lstStyle/>
-          <a:p>
-            <a:pPr algn="ctr"/>
-            <a:endParaRPr lang="es-PE" dirty="0"/>
+              <a:rPr lang="es-MX" sz="2000" b="1" dirty="0">
+                <a:solidFill>
+                  <a:srgbClr val="FF0000"/>
+                </a:solidFill>
+              </a:rPr>
+              <a:t>Error = 3.06%</a:t>
+            </a:r>
+            <a:endParaRPr lang="es-PE" sz="2000" b="1" dirty="0">
+              <a:solidFill>
+                <a:srgbClr val="FF0000"/>
+              </a:solidFill>
+            </a:endParaRPr>
           </a:p>
         </p:txBody>
       </p:sp>
     </p:spTree>
     <p:extLst>
       <p:ext uri="{BB962C8B-B14F-4D97-AF65-F5344CB8AC3E}">
-        <p14:creationId xmlns:p14="http://schemas.microsoft.com/office/powerpoint/2010/main" val="177400069"/>
+        <p14:creationId xmlns:p14="http://schemas.microsoft.com/office/powerpoint/2010/main" val="117187989"/>
       </p:ext>
     </p:extLst>
   </p:cSld>
@@ -7294,7 +7509,7 @@
               <a:rPr lang="es-ES" b="1" dirty="0">
                 <a:cs typeface="Arial"/>
               </a:rPr>
-              <a:t>EDA – ANEXO</a:t>
+              <a:t>Resultados</a:t>
             </a:r>
             <a:endParaRPr lang="es-ES" b="1" dirty="0"/>
           </a:p>
@@ -7302,10 +7517,10 @@
       </p:sp>
       <p:sp>
         <p:nvSpPr>
-          <p:cNvPr id="6" name="CuadroTexto 5">
-            <a:extLst>
-              <a:ext uri="{FF2B5EF4-FFF2-40B4-BE49-F238E27FC236}">
-                <a16:creationId xmlns:a16="http://schemas.microsoft.com/office/drawing/2014/main" id="{D7BEC932-B00F-2659-3B7F-C6936FDE53E3}"/>
+          <p:cNvPr id="3" name="CuadroTexto 2">
+            <a:extLst>
+              <a:ext uri="{FF2B5EF4-FFF2-40B4-BE49-F238E27FC236}">
+                <a16:creationId xmlns:a16="http://schemas.microsoft.com/office/drawing/2014/main" id="{CE18BC00-52D8-FA81-EAF1-84CFC777257A}"/>
               </a:ext>
             </a:extLst>
           </p:cNvPr>
@@ -7314,8 +7529,8 @@
         </p:nvSpPr>
         <p:spPr>
           <a:xfrm>
-            <a:off x="1189974" y="1445132"/>
-            <a:ext cx="4770743" cy="369332"/>
+            <a:off x="838200" y="1224951"/>
+            <a:ext cx="4822166" cy="369332"/>
           </a:xfrm>
           <a:prstGeom prst="rect">
             <a:avLst/>
@@ -7328,24 +7543,20 @@
           </a:bodyPr>
           <a:lstStyle/>
           <a:p>
-            <a:pPr algn="ctr"/>
             <a:r>
               <a:rPr lang="es-MX" b="1" dirty="0"/>
-              <a:t>%Fe</a:t>
-            </a:r>
-            <a:r>
-              <a:rPr lang="es-PE" b="1" dirty="0"/>
-              <a:t> - SPI</a:t>
-            </a:r>
-          </a:p>
-        </p:txBody>
-      </p:sp>
-      <p:sp>
-        <p:nvSpPr>
-          <p:cNvPr id="8" name="CuadroTexto 7">
-            <a:extLst>
-              <a:ext uri="{FF2B5EF4-FFF2-40B4-BE49-F238E27FC236}">
-                <a16:creationId xmlns:a16="http://schemas.microsoft.com/office/drawing/2014/main" id="{0BB34513-B8FD-57C2-66C8-8537ABDF53B6}"/>
+              <a:t>Consideraciones y Estimaciones </a:t>
+            </a:r>
+            <a:endParaRPr lang="es-PE" b="1" dirty="0"/>
+          </a:p>
+        </p:txBody>
+      </p:sp>
+      <p:sp>
+        <p:nvSpPr>
+          <p:cNvPr id="7" name="CuadroTexto 6">
+            <a:extLst>
+              <a:ext uri="{FF2B5EF4-FFF2-40B4-BE49-F238E27FC236}">
+                <a16:creationId xmlns:a16="http://schemas.microsoft.com/office/drawing/2014/main" id="{43791CDC-473F-F009-7FCA-8EBE2F8B3AA6}"/>
               </a:ext>
             </a:extLst>
           </p:cNvPr>
@@ -7354,8 +7565,8 @@
         </p:nvSpPr>
         <p:spPr>
           <a:xfrm>
-            <a:off x="6630996" y="1494922"/>
-            <a:ext cx="4856673" cy="369332"/>
+            <a:off x="1155940" y="1846053"/>
+            <a:ext cx="9550530" cy="3330399"/>
           </a:xfrm>
           <a:prstGeom prst="rect">
             <a:avLst/>
@@ -7368,114 +7579,73 @@
           </a:bodyPr>
           <a:lstStyle/>
           <a:p>
-            <a:pPr algn="ctr"/>
-            <a:r>
-              <a:rPr lang="es-PE" b="1" dirty="0"/>
-              <a:t>%Fe - BWI</a:t>
-            </a:r>
-          </a:p>
-        </p:txBody>
-      </p:sp>
-      <p:pic>
-        <p:nvPicPr>
-          <p:cNvPr id="4" name="Imagen 3">
-            <a:extLst>
-              <a:ext uri="{FF2B5EF4-FFF2-40B4-BE49-F238E27FC236}">
-                <a16:creationId xmlns:a16="http://schemas.microsoft.com/office/drawing/2014/main" id="{23C10B02-648A-6179-2AEF-01325B725077}"/>
-              </a:ext>
-            </a:extLst>
-          </p:cNvPr>
-          <p:cNvPicPr>
-            <a:picLocks noChangeAspect="1"/>
-          </p:cNvPicPr>
-          <p:nvPr/>
-        </p:nvPicPr>
-        <p:blipFill>
-          <a:blip r:embed="rId2"/>
-          <a:stretch>
-            <a:fillRect/>
-          </a:stretch>
-        </p:blipFill>
-        <p:spPr>
-          <a:xfrm>
-            <a:off x="707375" y="1864254"/>
-            <a:ext cx="5388626" cy="4162425"/>
-          </a:xfrm>
-          <a:prstGeom prst="rect">
-            <a:avLst/>
-          </a:prstGeom>
-        </p:spPr>
-      </p:pic>
-      <p:pic>
-        <p:nvPicPr>
-          <p:cNvPr id="9" name="Imagen 8">
-            <a:extLst>
-              <a:ext uri="{FF2B5EF4-FFF2-40B4-BE49-F238E27FC236}">
-                <a16:creationId xmlns:a16="http://schemas.microsoft.com/office/drawing/2014/main" id="{BAA8A888-58C3-86DF-81C1-EE3CADFFC82E}"/>
-              </a:ext>
-            </a:extLst>
-          </p:cNvPr>
-          <p:cNvPicPr>
-            <a:picLocks noChangeAspect="1"/>
-          </p:cNvPicPr>
-          <p:nvPr/>
-        </p:nvPicPr>
-        <p:blipFill>
-          <a:blip r:embed="rId3"/>
-          <a:stretch>
-            <a:fillRect/>
-          </a:stretch>
-        </p:blipFill>
-        <p:spPr>
-          <a:xfrm>
-            <a:off x="6320896" y="1816629"/>
-            <a:ext cx="5476875" cy="4210050"/>
-          </a:xfrm>
-          <a:prstGeom prst="rect">
-            <a:avLst/>
-          </a:prstGeom>
-        </p:spPr>
-      </p:pic>
-      <p:sp>
-        <p:nvSpPr>
-          <p:cNvPr id="10" name="CuadroTexto 9">
-            <a:extLst>
-              <a:ext uri="{FF2B5EF4-FFF2-40B4-BE49-F238E27FC236}">
-                <a16:creationId xmlns:a16="http://schemas.microsoft.com/office/drawing/2014/main" id="{53881E7D-0BE9-880C-6F70-C309783B2993}"/>
-              </a:ext>
-            </a:extLst>
-          </p:cNvPr>
-          <p:cNvSpPr txBox="1"/>
-          <p:nvPr/>
-        </p:nvSpPr>
-        <p:spPr>
-          <a:xfrm>
-            <a:off x="3992562" y="1026010"/>
-            <a:ext cx="4656667" cy="369332"/>
-          </a:xfrm>
-          <a:prstGeom prst="rect">
-            <a:avLst/>
-          </a:prstGeom>
-          <a:noFill/>
-        </p:spPr>
-        <p:txBody>
-          <a:bodyPr wrap="square" rtlCol="0">
-            <a:spAutoFit/>
-          </a:bodyPr>
-          <a:lstStyle/>
-          <a:p>
-            <a:r>
-              <a:rPr lang="es-MX" b="1" dirty="0"/>
-              <a:t>Data de Entrenamiento (Laboratorio)</a:t>
-            </a:r>
-            <a:endParaRPr lang="es-PE" b="1" dirty="0"/>
+            <a:pPr marL="285750" indent="-285750">
+              <a:lnSpc>
+                <a:spcPct val="200000"/>
+              </a:lnSpc>
+              <a:buFont typeface="Arial" panose="020B0604020202020204" pitchFamily="34" charset="0"/>
+              <a:buChar char="•"/>
+            </a:pPr>
+            <a:r>
+              <a:rPr lang="es-MX" dirty="0"/>
+              <a:t>Se realizó una comparación respecto al error en las predicciones entregadas por GeologyML23, respecto</a:t>
+            </a:r>
+            <a:r>
+              <a:rPr lang="es-PE" dirty="0"/>
+              <a:t> al archivo Excel bwilt23.3 entregado por el equipo de geología </a:t>
+            </a:r>
+            <a:r>
+              <a:rPr lang="es-PE" dirty="0" err="1"/>
+              <a:t>Hudbay</a:t>
+            </a:r>
+            <a:r>
+              <a:rPr lang="es-PE" dirty="0"/>
+              <a:t> al equipo de </a:t>
+            </a:r>
+            <a:r>
+              <a:rPr lang="es-PE" dirty="0" err="1"/>
+              <a:t>Research</a:t>
+            </a:r>
+            <a:r>
+              <a:rPr lang="es-PE" dirty="0"/>
+              <a:t> de </a:t>
+            </a:r>
+            <a:r>
+              <a:rPr lang="es-PE" dirty="0" err="1"/>
+              <a:t>Stracon</a:t>
+            </a:r>
+            <a:r>
+              <a:rPr lang="es-PE" dirty="0"/>
+              <a:t> </a:t>
+            </a:r>
+            <a:r>
+              <a:rPr lang="es-PE" dirty="0" err="1"/>
+              <a:t>Tech</a:t>
+            </a:r>
+            <a:r>
+              <a:rPr lang="es-PE" dirty="0"/>
+              <a:t>.</a:t>
+            </a:r>
+          </a:p>
+          <a:p>
+            <a:pPr marL="285750" indent="-285750">
+              <a:lnSpc>
+                <a:spcPct val="200000"/>
+              </a:lnSpc>
+              <a:buFont typeface="Arial" panose="020B0604020202020204" pitchFamily="34" charset="0"/>
+              <a:buChar char="•"/>
+            </a:pPr>
+            <a:r>
+              <a:rPr lang="es-MX" dirty="0"/>
+              <a:t>Las métricas y estadísticas mostradas a continuación son las otorgadas por el Modelo GeologyML23, tomando en consideración los limites recomendados por el Ing. Omar Gutiérrez, con el fin de ver el impacto en las métricas de los límites preestablecidos.</a:t>
+            </a:r>
           </a:p>
         </p:txBody>
       </p:sp>
     </p:spTree>
     <p:extLst>
       <p:ext uri="{BB962C8B-B14F-4D97-AF65-F5344CB8AC3E}">
-        <p14:creationId xmlns:p14="http://schemas.microsoft.com/office/powerpoint/2010/main" val="2920216608"/>
+        <p14:creationId xmlns:p14="http://schemas.microsoft.com/office/powerpoint/2010/main" val="17464248"/>
       </p:ext>
     </p:extLst>
   </p:cSld>
@@ -7527,7 +7697,7 @@
               <a:rPr lang="es-ES" b="1" dirty="0">
                 <a:cs typeface="Arial"/>
               </a:rPr>
-              <a:t>EDA – ANEXO</a:t>
+              <a:t>Estadísticas</a:t>
             </a:r>
             <a:endParaRPr lang="es-ES" b="1" dirty="0"/>
           </a:p>
@@ -7535,10 +7705,10 @@
       </p:sp>
       <p:sp>
         <p:nvSpPr>
-          <p:cNvPr id="6" name="CuadroTexto 5">
-            <a:extLst>
-              <a:ext uri="{FF2B5EF4-FFF2-40B4-BE49-F238E27FC236}">
-                <a16:creationId xmlns:a16="http://schemas.microsoft.com/office/drawing/2014/main" id="{D7BEC932-B00F-2659-3B7F-C6936FDE53E3}"/>
+          <p:cNvPr id="3" name="CuadroTexto 2">
+            <a:extLst>
+              <a:ext uri="{FF2B5EF4-FFF2-40B4-BE49-F238E27FC236}">
+                <a16:creationId xmlns:a16="http://schemas.microsoft.com/office/drawing/2014/main" id="{F8B3E25C-5FB2-69BE-6C34-0D5534CE1670}"/>
               </a:ext>
             </a:extLst>
           </p:cNvPr>
@@ -7547,8 +7717,8 @@
         </p:nvSpPr>
         <p:spPr>
           <a:xfrm>
-            <a:off x="1153572" y="1553059"/>
-            <a:ext cx="4770743" cy="369332"/>
+            <a:off x="596661" y="1139636"/>
+            <a:ext cx="3562710" cy="400110"/>
           </a:xfrm>
           <a:prstGeom prst="rect">
             <a:avLst/>
@@ -7561,24 +7731,20 @@
           </a:bodyPr>
           <a:lstStyle/>
           <a:p>
-            <a:pPr algn="ctr"/>
-            <a:r>
-              <a:rPr lang="es-MX" b="1" dirty="0"/>
-              <a:t>%Fe</a:t>
-            </a:r>
-            <a:r>
-              <a:rPr lang="es-PE" b="1" dirty="0"/>
-              <a:t> - SPI</a:t>
-            </a:r>
-          </a:p>
-        </p:txBody>
-      </p:sp>
-      <p:sp>
-        <p:nvSpPr>
-          <p:cNvPr id="8" name="CuadroTexto 7">
-            <a:extLst>
-              <a:ext uri="{FF2B5EF4-FFF2-40B4-BE49-F238E27FC236}">
-                <a16:creationId xmlns:a16="http://schemas.microsoft.com/office/drawing/2014/main" id="{0BB34513-B8FD-57C2-66C8-8537ABDF53B6}"/>
+            <a:r>
+              <a:rPr lang="es-MX" sz="2000" b="1" dirty="0"/>
+              <a:t>Estadísticas de bwilt23.3</a:t>
+            </a:r>
+            <a:endParaRPr lang="es-PE" sz="2000" b="1" dirty="0"/>
+          </a:p>
+        </p:txBody>
+      </p:sp>
+      <p:sp>
+        <p:nvSpPr>
+          <p:cNvPr id="4" name="CuadroTexto 3">
+            <a:extLst>
+              <a:ext uri="{FF2B5EF4-FFF2-40B4-BE49-F238E27FC236}">
+                <a16:creationId xmlns:a16="http://schemas.microsoft.com/office/drawing/2014/main" id="{6208CA2A-4E6E-7AFC-214E-6E587BE61B19}"/>
               </a:ext>
             </a:extLst>
           </p:cNvPr>
@@ -7587,8 +7753,8 @@
         </p:nvSpPr>
         <p:spPr>
           <a:xfrm>
-            <a:off x="6630995" y="1553059"/>
-            <a:ext cx="4856673" cy="369332"/>
+            <a:off x="598097" y="1939856"/>
+            <a:ext cx="2286000" cy="1323439"/>
           </a:xfrm>
           <a:prstGeom prst="rect">
             <a:avLst/>
@@ -7601,20 +7767,98 @@
           </a:bodyPr>
           <a:lstStyle/>
           <a:p>
-            <a:pPr algn="ctr"/>
-            <a:r>
-              <a:rPr lang="es-PE" b="1" dirty="0"/>
-              <a:t>%Fe - BWI</a:t>
-            </a:r>
+            <a:pPr marL="342900" indent="-342900">
+              <a:buFont typeface="Arial" panose="020B0604020202020204" pitchFamily="34" charset="0"/>
+              <a:buChar char="•"/>
+            </a:pPr>
+            <a:r>
+              <a:rPr lang="es-MX" sz="2000" b="1" dirty="0" err="1"/>
+              <a:t>std</a:t>
+            </a:r>
+            <a:r>
+              <a:rPr lang="es-MX" sz="2000" b="1" dirty="0"/>
+              <a:t> = 1.51</a:t>
+            </a:r>
+          </a:p>
+          <a:p>
+            <a:pPr marL="342900" indent="-342900">
+              <a:buFont typeface="Arial" panose="020B0604020202020204" pitchFamily="34" charset="0"/>
+              <a:buChar char="•"/>
+            </a:pPr>
+            <a:r>
+              <a:rPr lang="es-MX" sz="2000" b="1" dirty="0"/>
+              <a:t>mean = 17.25</a:t>
+            </a:r>
+          </a:p>
+          <a:p>
+            <a:pPr marL="342900" indent="-342900">
+              <a:buFont typeface="Arial" panose="020B0604020202020204" pitchFamily="34" charset="0"/>
+              <a:buChar char="•"/>
+            </a:pPr>
+            <a:r>
+              <a:rPr lang="es-MX" sz="2000" b="1" dirty="0"/>
+              <a:t>min = 9.10</a:t>
+            </a:r>
+          </a:p>
+          <a:p>
+            <a:pPr marL="342900" indent="-342900">
+              <a:buFont typeface="Arial" panose="020B0604020202020204" pitchFamily="34" charset="0"/>
+              <a:buChar char="•"/>
+            </a:pPr>
+            <a:r>
+              <a:rPr lang="es-MX" sz="2000" b="1" dirty="0" err="1"/>
+              <a:t>max</a:t>
+            </a:r>
+            <a:r>
+              <a:rPr lang="es-MX" sz="2000" b="1" dirty="0"/>
+              <a:t> = 19.96</a:t>
+            </a:r>
+            <a:endParaRPr lang="es-PE" sz="2000" b="1" dirty="0"/>
+          </a:p>
+        </p:txBody>
+      </p:sp>
+      <p:sp>
+        <p:nvSpPr>
+          <p:cNvPr id="5" name="CuadroTexto 4">
+            <a:extLst>
+              <a:ext uri="{FF2B5EF4-FFF2-40B4-BE49-F238E27FC236}">
+                <a16:creationId xmlns:a16="http://schemas.microsoft.com/office/drawing/2014/main" id="{059F4926-423B-1C7F-C2B0-68FAE0C4B6D1}"/>
+              </a:ext>
+            </a:extLst>
+          </p:cNvPr>
+          <p:cNvSpPr txBox="1"/>
+          <p:nvPr/>
+        </p:nvSpPr>
+        <p:spPr>
+          <a:xfrm>
+            <a:off x="596661" y="1539746"/>
+            <a:ext cx="3562710" cy="400110"/>
+          </a:xfrm>
+          <a:prstGeom prst="rect">
+            <a:avLst/>
+          </a:prstGeom>
+          <a:noFill/>
+        </p:spPr>
+        <p:txBody>
+          <a:bodyPr wrap="square" rtlCol="0">
+            <a:spAutoFit/>
+          </a:bodyPr>
+          <a:lstStyle/>
+          <a:p>
+            <a:r>
+              <a:rPr lang="es-MX" sz="2000" b="1" dirty="0"/>
+              <a:t>BWI</a:t>
+            </a:r>
+            <a:endParaRPr lang="es-PE" sz="2000" b="1" dirty="0"/>
           </a:p>
         </p:txBody>
       </p:sp>
       <p:pic>
         <p:nvPicPr>
-          <p:cNvPr id="5" name="Imagen 4">
-            <a:extLst>
-              <a:ext uri="{FF2B5EF4-FFF2-40B4-BE49-F238E27FC236}">
-                <a16:creationId xmlns:a16="http://schemas.microsoft.com/office/drawing/2014/main" id="{FC57B21B-7447-2734-7530-087502487DFD}"/>
+          <p:cNvPr id="10" name="Imagen 9">
+            <a:extLst>
+              <a:ext uri="{FF2B5EF4-FFF2-40B4-BE49-F238E27FC236}">
+                <a16:creationId xmlns:a16="http://schemas.microsoft.com/office/drawing/2014/main" id="{0B1EB8A6-9AE7-ED47-DC40-44FD6EEBDEF1}"/>
               </a:ext>
             </a:extLst>
           </p:cNvPr>
@@ -7631,20 +7875,170 @@
         </p:blipFill>
         <p:spPr>
           <a:xfrm>
-            <a:off x="6363757" y="1923520"/>
-            <a:ext cx="5391150" cy="4162425"/>
+            <a:off x="276376" y="3263295"/>
+            <a:ext cx="4444817" cy="3431218"/>
           </a:xfrm>
           <a:prstGeom prst="rect">
             <a:avLst/>
           </a:prstGeom>
         </p:spPr>
       </p:pic>
+      <p:sp>
+        <p:nvSpPr>
+          <p:cNvPr id="6" name="CuadroTexto 5">
+            <a:extLst>
+              <a:ext uri="{FF2B5EF4-FFF2-40B4-BE49-F238E27FC236}">
+                <a16:creationId xmlns:a16="http://schemas.microsoft.com/office/drawing/2014/main" id="{03EC3A98-B498-441E-28DE-3613BA80C283}"/>
+              </a:ext>
+            </a:extLst>
+          </p:cNvPr>
+          <p:cNvSpPr txBox="1"/>
+          <p:nvPr/>
+        </p:nvSpPr>
+        <p:spPr>
+          <a:xfrm>
+            <a:off x="5107557" y="1139636"/>
+            <a:ext cx="4297394" cy="400110"/>
+          </a:xfrm>
+          <a:prstGeom prst="rect">
+            <a:avLst/>
+          </a:prstGeom>
+          <a:noFill/>
+        </p:spPr>
+        <p:txBody>
+          <a:bodyPr wrap="square" rtlCol="0">
+            <a:spAutoFit/>
+          </a:bodyPr>
+          <a:lstStyle/>
+          <a:p>
+            <a:r>
+              <a:rPr lang="es-MX" sz="2000" b="1" dirty="0"/>
+              <a:t>Estadísticas de GeologyML23</a:t>
+            </a:r>
+            <a:endParaRPr lang="es-PE" sz="2000" b="1" dirty="0"/>
+          </a:p>
+        </p:txBody>
+      </p:sp>
+      <p:sp>
+        <p:nvSpPr>
+          <p:cNvPr id="7" name="CuadroTexto 6">
+            <a:extLst>
+              <a:ext uri="{FF2B5EF4-FFF2-40B4-BE49-F238E27FC236}">
+                <a16:creationId xmlns:a16="http://schemas.microsoft.com/office/drawing/2014/main" id="{D28A8A02-6E36-08BF-9D2C-5A723A95F146}"/>
+              </a:ext>
+            </a:extLst>
+          </p:cNvPr>
+          <p:cNvSpPr txBox="1"/>
+          <p:nvPr/>
+        </p:nvSpPr>
+        <p:spPr>
+          <a:xfrm>
+            <a:off x="5107171" y="1862216"/>
+            <a:ext cx="2286000" cy="1323439"/>
+          </a:xfrm>
+          <a:prstGeom prst="rect">
+            <a:avLst/>
+          </a:prstGeom>
+          <a:noFill/>
+        </p:spPr>
+        <p:txBody>
+          <a:bodyPr wrap="square" rtlCol="0">
+            <a:spAutoFit/>
+          </a:bodyPr>
+          <a:lstStyle/>
+          <a:p>
+            <a:pPr marL="342900" indent="-342900">
+              <a:buFont typeface="Arial" panose="020B0604020202020204" pitchFamily="34" charset="0"/>
+              <a:buChar char="•"/>
+            </a:pPr>
+            <a:r>
+              <a:rPr lang="es-MX" sz="2000" b="1" dirty="0" err="1"/>
+              <a:t>std</a:t>
+            </a:r>
+            <a:r>
+              <a:rPr lang="es-MX" sz="2000" b="1" dirty="0"/>
+              <a:t> = 1.15</a:t>
+            </a:r>
+          </a:p>
+          <a:p>
+            <a:pPr marL="342900" indent="-342900">
+              <a:buFont typeface="Arial" panose="020B0604020202020204" pitchFamily="34" charset="0"/>
+              <a:buChar char="•"/>
+            </a:pPr>
+            <a:r>
+              <a:rPr lang="es-MX" sz="2000" b="1" dirty="0"/>
+              <a:t>mean = 17.56</a:t>
+            </a:r>
+          </a:p>
+          <a:p>
+            <a:pPr marL="342900" indent="-342900">
+              <a:buFont typeface="Arial" panose="020B0604020202020204" pitchFamily="34" charset="0"/>
+              <a:buChar char="•"/>
+            </a:pPr>
+            <a:r>
+              <a:rPr lang="es-MX" sz="2000" b="1" dirty="0"/>
+              <a:t>min = 11.20</a:t>
+            </a:r>
+          </a:p>
+          <a:p>
+            <a:pPr marL="342900" indent="-342900">
+              <a:buFont typeface="Arial" panose="020B0604020202020204" pitchFamily="34" charset="0"/>
+              <a:buChar char="•"/>
+            </a:pPr>
+            <a:r>
+              <a:rPr lang="es-MX" sz="2000" b="1" dirty="0" err="1"/>
+              <a:t>max</a:t>
+            </a:r>
+            <a:r>
+              <a:rPr lang="es-MX" sz="2000" b="1" dirty="0"/>
+              <a:t> = 19.27</a:t>
+            </a:r>
+            <a:endParaRPr lang="es-PE" sz="2000" b="1" dirty="0"/>
+          </a:p>
+        </p:txBody>
+      </p:sp>
+      <p:sp>
+        <p:nvSpPr>
+          <p:cNvPr id="8" name="CuadroTexto 7">
+            <a:extLst>
+              <a:ext uri="{FF2B5EF4-FFF2-40B4-BE49-F238E27FC236}">
+                <a16:creationId xmlns:a16="http://schemas.microsoft.com/office/drawing/2014/main" id="{FEBDB68B-3A98-B268-7DB4-7DA45424CBE6}"/>
+              </a:ext>
+            </a:extLst>
+          </p:cNvPr>
+          <p:cNvSpPr txBox="1"/>
+          <p:nvPr/>
+        </p:nvSpPr>
+        <p:spPr>
+          <a:xfrm>
+            <a:off x="5107171" y="1449524"/>
+            <a:ext cx="3562710" cy="400110"/>
+          </a:xfrm>
+          <a:prstGeom prst="rect">
+            <a:avLst/>
+          </a:prstGeom>
+          <a:noFill/>
+        </p:spPr>
+        <p:txBody>
+          <a:bodyPr wrap="square" rtlCol="0">
+            <a:spAutoFit/>
+          </a:bodyPr>
+          <a:lstStyle/>
+          <a:p>
+            <a:r>
+              <a:rPr lang="es-MX" sz="2000" b="1" dirty="0"/>
+              <a:t>BWI</a:t>
+            </a:r>
+            <a:endParaRPr lang="es-PE" sz="2000" b="1" dirty="0"/>
+          </a:p>
+        </p:txBody>
+      </p:sp>
       <p:pic>
         <p:nvPicPr>
-          <p:cNvPr id="10" name="Imagen 9">
-            <a:extLst>
-              <a:ext uri="{FF2B5EF4-FFF2-40B4-BE49-F238E27FC236}">
-                <a16:creationId xmlns:a16="http://schemas.microsoft.com/office/drawing/2014/main" id="{BF4C4FA4-A156-6B58-04C4-9D19D0BD4C02}"/>
+          <p:cNvPr id="11" name="Imagen 10">
+            <a:extLst>
+              <a:ext uri="{FF2B5EF4-FFF2-40B4-BE49-F238E27FC236}">
+                <a16:creationId xmlns:a16="http://schemas.microsoft.com/office/drawing/2014/main" id="{F4C76061-E025-C35B-BCC8-2E80D4959929}"/>
               </a:ext>
             </a:extLst>
           </p:cNvPr>
@@ -7661,8 +8055,8 @@
         </p:blipFill>
         <p:spPr>
           <a:xfrm>
-            <a:off x="707374" y="1923520"/>
-            <a:ext cx="5476875" cy="4162425"/>
+            <a:off x="5107171" y="3294591"/>
+            <a:ext cx="4444816" cy="3368626"/>
           </a:xfrm>
           <a:prstGeom prst="rect">
             <a:avLst/>
@@ -7671,10 +8065,10 @@
       </p:pic>
       <p:sp>
         <p:nvSpPr>
-          <p:cNvPr id="11" name="CuadroTexto 10">
-            <a:extLst>
-              <a:ext uri="{FF2B5EF4-FFF2-40B4-BE49-F238E27FC236}">
-                <a16:creationId xmlns:a16="http://schemas.microsoft.com/office/drawing/2014/main" id="{91185ED6-FBB8-831E-76E5-6E43ABC0B912}"/>
+          <p:cNvPr id="12" name="CuadroTexto 11">
+            <a:extLst>
+              <a:ext uri="{FF2B5EF4-FFF2-40B4-BE49-F238E27FC236}">
+                <a16:creationId xmlns:a16="http://schemas.microsoft.com/office/drawing/2014/main" id="{CFB071EC-777A-0AF3-3EB4-A31D30B44764}"/>
               </a:ext>
             </a:extLst>
           </p:cNvPr>
@@ -7683,8 +8077,8 @@
         </p:nvSpPr>
         <p:spPr>
           <a:xfrm>
-            <a:off x="4257937" y="1183163"/>
-            <a:ext cx="4211638" cy="369332"/>
+            <a:off x="9551987" y="4778849"/>
+            <a:ext cx="2286000" cy="400110"/>
           </a:xfrm>
           <a:prstGeom prst="rect">
             <a:avLst/>
@@ -7699,17 +8093,25 @@
           <a:p>
             <a:pPr algn="ctr"/>
             <a:r>
-              <a:rPr lang="es-MX" b="1" dirty="0"/>
-              <a:t>Data de bwilt23</a:t>
-            </a:r>
-            <a:endParaRPr lang="es-PE" b="1" dirty="0"/>
+              <a:rPr lang="es-MX" sz="2000" b="1" dirty="0">
+                <a:solidFill>
+                  <a:srgbClr val="FF0000"/>
+                </a:solidFill>
+              </a:rPr>
+              <a:t>Error = 1.79%</a:t>
+            </a:r>
+            <a:endParaRPr lang="es-PE" sz="2000" b="1" dirty="0">
+              <a:solidFill>
+                <a:srgbClr val="FF0000"/>
+              </a:solidFill>
+            </a:endParaRPr>
           </a:p>
         </p:txBody>
       </p:sp>
     </p:spTree>
     <p:extLst>
       <p:ext uri="{BB962C8B-B14F-4D97-AF65-F5344CB8AC3E}">
-        <p14:creationId xmlns:p14="http://schemas.microsoft.com/office/powerpoint/2010/main" val="3758173797"/>
+        <p14:creationId xmlns:p14="http://schemas.microsoft.com/office/powerpoint/2010/main" val="852587285"/>
       </p:ext>
     </p:extLst>
   </p:cSld>
@@ -7761,7 +8163,7 @@
               <a:rPr lang="es-ES" b="1" dirty="0">
                 <a:cs typeface="Arial"/>
               </a:rPr>
-              <a:t>EDA – ANEXO</a:t>
+              <a:t>Estadísticas </a:t>
             </a:r>
             <a:endParaRPr lang="es-ES" b="1" dirty="0"/>
           </a:p>
@@ -7769,10 +8171,10 @@
       </p:sp>
       <p:sp>
         <p:nvSpPr>
-          <p:cNvPr id="6" name="CuadroTexto 5">
-            <a:extLst>
-              <a:ext uri="{FF2B5EF4-FFF2-40B4-BE49-F238E27FC236}">
-                <a16:creationId xmlns:a16="http://schemas.microsoft.com/office/drawing/2014/main" id="{D7BEC932-B00F-2659-3B7F-C6936FDE53E3}"/>
+          <p:cNvPr id="3" name="CuadroTexto 2">
+            <a:extLst>
+              <a:ext uri="{FF2B5EF4-FFF2-40B4-BE49-F238E27FC236}">
+                <a16:creationId xmlns:a16="http://schemas.microsoft.com/office/drawing/2014/main" id="{F992463A-9ACF-D3BD-F59A-BD3F0473D3CC}"/>
               </a:ext>
             </a:extLst>
           </p:cNvPr>
@@ -7781,8 +8183,8 @@
         </p:nvSpPr>
         <p:spPr>
           <a:xfrm>
-            <a:off x="838200" y="1481102"/>
-            <a:ext cx="4770743" cy="369332"/>
+            <a:off x="324321" y="2105561"/>
+            <a:ext cx="2286000" cy="1323439"/>
           </a:xfrm>
           <a:prstGeom prst="rect">
             <a:avLst/>
@@ -7795,24 +8197,62 @@
           </a:bodyPr>
           <a:lstStyle/>
           <a:p>
-            <a:pPr algn="ctr"/>
-            <a:r>
-              <a:rPr lang="es-MX" b="1" dirty="0"/>
-              <a:t>%Al</a:t>
-            </a:r>
-            <a:r>
-              <a:rPr lang="es-PE" b="1" dirty="0"/>
-              <a:t> - SPI</a:t>
-            </a:r>
-          </a:p>
-        </p:txBody>
-      </p:sp>
-      <p:sp>
-        <p:nvSpPr>
-          <p:cNvPr id="8" name="CuadroTexto 7">
-            <a:extLst>
-              <a:ext uri="{FF2B5EF4-FFF2-40B4-BE49-F238E27FC236}">
-                <a16:creationId xmlns:a16="http://schemas.microsoft.com/office/drawing/2014/main" id="{0BB34513-B8FD-57C2-66C8-8537ABDF53B6}"/>
+            <a:pPr marL="342900" indent="-342900">
+              <a:buFont typeface="Arial" panose="020B0604020202020204" pitchFamily="34" charset="0"/>
+              <a:buChar char="•"/>
+            </a:pPr>
+            <a:r>
+              <a:rPr lang="es-MX" sz="2000" b="1" dirty="0" err="1"/>
+              <a:t>std</a:t>
+            </a:r>
+            <a:r>
+              <a:rPr lang="es-MX" sz="2000" b="1" dirty="0"/>
+              <a:t> = 27.8</a:t>
+            </a:r>
+          </a:p>
+          <a:p>
+            <a:pPr marL="342900" indent="-342900">
+              <a:buFont typeface="Arial" panose="020B0604020202020204" pitchFamily="34" charset="0"/>
+              <a:buChar char="•"/>
+            </a:pPr>
+            <a:r>
+              <a:rPr lang="es-MX" sz="2000" b="1" dirty="0"/>
+              <a:t>mean = 127.89</a:t>
+            </a:r>
+          </a:p>
+          <a:p>
+            <a:pPr marL="342900" indent="-342900">
+              <a:buFont typeface="Arial" panose="020B0604020202020204" pitchFamily="34" charset="0"/>
+              <a:buChar char="•"/>
+            </a:pPr>
+            <a:r>
+              <a:rPr lang="es-MX" sz="2000" b="1" dirty="0"/>
+              <a:t>min = 29.92</a:t>
+            </a:r>
+          </a:p>
+          <a:p>
+            <a:pPr marL="342900" indent="-342900">
+              <a:buFont typeface="Arial" panose="020B0604020202020204" pitchFamily="34" charset="0"/>
+              <a:buChar char="•"/>
+            </a:pPr>
+            <a:r>
+              <a:rPr lang="es-MX" sz="2000" b="1" dirty="0" err="1"/>
+              <a:t>max</a:t>
+            </a:r>
+            <a:r>
+              <a:rPr lang="es-MX" sz="2000" b="1" dirty="0"/>
+              <a:t> = 183.13</a:t>
+            </a:r>
+            <a:endParaRPr lang="es-PE" sz="2000" b="1" dirty="0"/>
+          </a:p>
+        </p:txBody>
+      </p:sp>
+      <p:sp>
+        <p:nvSpPr>
+          <p:cNvPr id="5" name="CuadroTexto 4">
+            <a:extLst>
+              <a:ext uri="{FF2B5EF4-FFF2-40B4-BE49-F238E27FC236}">
+                <a16:creationId xmlns:a16="http://schemas.microsoft.com/office/drawing/2014/main" id="{C2954377-EC3E-91A7-0B84-85BEBD005DD2}"/>
               </a:ext>
             </a:extLst>
           </p:cNvPr>
@@ -7821,8 +8261,8 @@
         </p:nvSpPr>
         <p:spPr>
           <a:xfrm>
-            <a:off x="6834195" y="1481102"/>
-            <a:ext cx="4856673" cy="369332"/>
+            <a:off x="324321" y="1682699"/>
+            <a:ext cx="3562710" cy="400110"/>
           </a:xfrm>
           <a:prstGeom prst="rect">
             <a:avLst/>
@@ -7835,20 +8275,56 @@
           </a:bodyPr>
           <a:lstStyle/>
           <a:p>
-            <a:pPr algn="ctr"/>
-            <a:r>
-              <a:rPr lang="es-PE" b="1" dirty="0"/>
-              <a:t>%Al - BWI</a:t>
-            </a:r>
+            <a:r>
+              <a:rPr lang="es-MX" sz="2000" b="1" dirty="0"/>
+              <a:t>SPI</a:t>
+            </a:r>
+            <a:endParaRPr lang="es-PE" sz="2000" b="1" dirty="0"/>
+          </a:p>
+        </p:txBody>
+      </p:sp>
+      <p:sp>
+        <p:nvSpPr>
+          <p:cNvPr id="7" name="CuadroTexto 6">
+            <a:extLst>
+              <a:ext uri="{FF2B5EF4-FFF2-40B4-BE49-F238E27FC236}">
+                <a16:creationId xmlns:a16="http://schemas.microsoft.com/office/drawing/2014/main" id="{30AC8D5A-5A62-D261-DE71-214B2A5DF446}"/>
+              </a:ext>
+            </a:extLst>
+          </p:cNvPr>
+          <p:cNvSpPr txBox="1"/>
+          <p:nvPr/>
+        </p:nvSpPr>
+        <p:spPr>
+          <a:xfrm>
+            <a:off x="324321" y="1282589"/>
+            <a:ext cx="3562710" cy="400110"/>
+          </a:xfrm>
+          <a:prstGeom prst="rect">
+            <a:avLst/>
+          </a:prstGeom>
+          <a:noFill/>
+        </p:spPr>
+        <p:txBody>
+          <a:bodyPr wrap="square" rtlCol="0">
+            <a:spAutoFit/>
+          </a:bodyPr>
+          <a:lstStyle/>
+          <a:p>
+            <a:r>
+              <a:rPr lang="es-MX" sz="2000" b="1" dirty="0"/>
+              <a:t>Estadísticas de bwilt23.3</a:t>
+            </a:r>
+            <a:endParaRPr lang="es-PE" sz="2000" b="1" dirty="0"/>
           </a:p>
         </p:txBody>
       </p:sp>
       <p:pic>
         <p:nvPicPr>
-          <p:cNvPr id="5" name="Imagen 4">
-            <a:extLst>
-              <a:ext uri="{FF2B5EF4-FFF2-40B4-BE49-F238E27FC236}">
-                <a16:creationId xmlns:a16="http://schemas.microsoft.com/office/drawing/2014/main" id="{622602DA-DE40-9A40-51D4-E4495B83D18A}"/>
+          <p:cNvPr id="12" name="Imagen 11">
+            <a:extLst>
+              <a:ext uri="{FF2B5EF4-FFF2-40B4-BE49-F238E27FC236}">
+                <a16:creationId xmlns:a16="http://schemas.microsoft.com/office/drawing/2014/main" id="{77B95343-B844-4342-1462-0B247C2580A1}"/>
               </a:ext>
             </a:extLst>
           </p:cNvPr>
@@ -7865,20 +8341,170 @@
         </p:blipFill>
         <p:spPr>
           <a:xfrm>
-            <a:off x="436441" y="1831974"/>
-            <a:ext cx="5495925" cy="4210050"/>
+            <a:off x="324321" y="3429000"/>
+            <a:ext cx="4214738" cy="3303834"/>
           </a:xfrm>
           <a:prstGeom prst="rect">
             <a:avLst/>
           </a:prstGeom>
         </p:spPr>
       </p:pic>
+      <p:sp>
+        <p:nvSpPr>
+          <p:cNvPr id="4" name="CuadroTexto 3">
+            <a:extLst>
+              <a:ext uri="{FF2B5EF4-FFF2-40B4-BE49-F238E27FC236}">
+                <a16:creationId xmlns:a16="http://schemas.microsoft.com/office/drawing/2014/main" id="{6AF7DC39-9354-DEAC-03CB-61C58753DE1F}"/>
+              </a:ext>
+            </a:extLst>
+          </p:cNvPr>
+          <p:cNvSpPr txBox="1"/>
+          <p:nvPr/>
+        </p:nvSpPr>
+        <p:spPr>
+          <a:xfrm>
+            <a:off x="4769068" y="2181855"/>
+            <a:ext cx="2286000" cy="1323439"/>
+          </a:xfrm>
+          <a:prstGeom prst="rect">
+            <a:avLst/>
+          </a:prstGeom>
+          <a:noFill/>
+        </p:spPr>
+        <p:txBody>
+          <a:bodyPr wrap="square" rtlCol="0">
+            <a:spAutoFit/>
+          </a:bodyPr>
+          <a:lstStyle/>
+          <a:p>
+            <a:pPr marL="342900" indent="-342900">
+              <a:buFont typeface="Arial" panose="020B0604020202020204" pitchFamily="34" charset="0"/>
+              <a:buChar char="•"/>
+            </a:pPr>
+            <a:r>
+              <a:rPr lang="es-MX" sz="2000" b="1" dirty="0" err="1"/>
+              <a:t>std</a:t>
+            </a:r>
+            <a:r>
+              <a:rPr lang="es-MX" sz="2000" b="1" dirty="0"/>
+              <a:t> = 19.2</a:t>
+            </a:r>
+          </a:p>
+          <a:p>
+            <a:pPr marL="342900" indent="-342900">
+              <a:buFont typeface="Arial" panose="020B0604020202020204" pitchFamily="34" charset="0"/>
+              <a:buChar char="•"/>
+            </a:pPr>
+            <a:r>
+              <a:rPr lang="es-MX" sz="2000" b="1" dirty="0"/>
+              <a:t>mean = 131.81</a:t>
+            </a:r>
+          </a:p>
+          <a:p>
+            <a:pPr marL="342900" indent="-342900">
+              <a:buFont typeface="Arial" panose="020B0604020202020204" pitchFamily="34" charset="0"/>
+              <a:buChar char="•"/>
+            </a:pPr>
+            <a:r>
+              <a:rPr lang="es-MX" sz="2000" b="1" dirty="0"/>
+              <a:t>min = 46.42</a:t>
+            </a:r>
+          </a:p>
+          <a:p>
+            <a:pPr marL="342900" indent="-342900">
+              <a:buFont typeface="Arial" panose="020B0604020202020204" pitchFamily="34" charset="0"/>
+              <a:buChar char="•"/>
+            </a:pPr>
+            <a:r>
+              <a:rPr lang="es-MX" sz="2000" b="1" dirty="0" err="1"/>
+              <a:t>max</a:t>
+            </a:r>
+            <a:r>
+              <a:rPr lang="es-MX" sz="2000" b="1" dirty="0"/>
+              <a:t> = 181.92</a:t>
+            </a:r>
+            <a:endParaRPr lang="es-PE" sz="2000" b="1" dirty="0"/>
+          </a:p>
+        </p:txBody>
+      </p:sp>
+      <p:sp>
+        <p:nvSpPr>
+          <p:cNvPr id="6" name="CuadroTexto 5">
+            <a:extLst>
+              <a:ext uri="{FF2B5EF4-FFF2-40B4-BE49-F238E27FC236}">
+                <a16:creationId xmlns:a16="http://schemas.microsoft.com/office/drawing/2014/main" id="{376E20B1-7D3F-9EA0-7027-B7F9B8F7A85C}"/>
+              </a:ext>
+            </a:extLst>
+          </p:cNvPr>
+          <p:cNvSpPr txBox="1"/>
+          <p:nvPr/>
+        </p:nvSpPr>
+        <p:spPr>
+          <a:xfrm>
+            <a:off x="4742261" y="1705451"/>
+            <a:ext cx="3562710" cy="400110"/>
+          </a:xfrm>
+          <a:prstGeom prst="rect">
+            <a:avLst/>
+          </a:prstGeom>
+          <a:noFill/>
+        </p:spPr>
+        <p:txBody>
+          <a:bodyPr wrap="square" rtlCol="0">
+            <a:spAutoFit/>
+          </a:bodyPr>
+          <a:lstStyle/>
+          <a:p>
+            <a:r>
+              <a:rPr lang="es-MX" sz="2000" b="1" dirty="0"/>
+              <a:t>SPI</a:t>
+            </a:r>
+            <a:endParaRPr lang="es-PE" sz="2000" b="1" dirty="0"/>
+          </a:p>
+        </p:txBody>
+      </p:sp>
+      <p:sp>
+        <p:nvSpPr>
+          <p:cNvPr id="8" name="CuadroTexto 7">
+            <a:extLst>
+              <a:ext uri="{FF2B5EF4-FFF2-40B4-BE49-F238E27FC236}">
+                <a16:creationId xmlns:a16="http://schemas.microsoft.com/office/drawing/2014/main" id="{65BC6C44-2575-1AC8-64FD-5619C0313D30}"/>
+              </a:ext>
+            </a:extLst>
+          </p:cNvPr>
+          <p:cNvSpPr txBox="1"/>
+          <p:nvPr/>
+        </p:nvSpPr>
+        <p:spPr>
+          <a:xfrm>
+            <a:off x="4775299" y="1267194"/>
+            <a:ext cx="4208506" cy="400110"/>
+          </a:xfrm>
+          <a:prstGeom prst="rect">
+            <a:avLst/>
+          </a:prstGeom>
+          <a:noFill/>
+        </p:spPr>
+        <p:txBody>
+          <a:bodyPr wrap="square" rtlCol="0">
+            <a:spAutoFit/>
+          </a:bodyPr>
+          <a:lstStyle/>
+          <a:p>
+            <a:r>
+              <a:rPr lang="es-MX" sz="2000" b="1" dirty="0"/>
+              <a:t>Estadísticas de GeologyML23</a:t>
+            </a:r>
+            <a:endParaRPr lang="es-PE" sz="2000" b="1" dirty="0"/>
+          </a:p>
+        </p:txBody>
+      </p:sp>
       <p:pic>
         <p:nvPicPr>
           <p:cNvPr id="10" name="Imagen 9">
             <a:extLst>
               <a:ext uri="{FF2B5EF4-FFF2-40B4-BE49-F238E27FC236}">
-                <a16:creationId xmlns:a16="http://schemas.microsoft.com/office/drawing/2014/main" id="{B3BF891E-CDC1-8FF9-4024-9CE9946DE92A}"/>
+                <a16:creationId xmlns:a16="http://schemas.microsoft.com/office/drawing/2014/main" id="{64A7D789-9D73-E82A-8851-D1D4CF2DC3B8}"/>
               </a:ext>
             </a:extLst>
           </p:cNvPr>
@@ -7895,8 +8521,8 @@
         </p:blipFill>
         <p:spPr>
           <a:xfrm>
-            <a:off x="6368521" y="1855787"/>
-            <a:ext cx="5534025" cy="4162425"/>
+            <a:off x="4769068" y="3429000"/>
+            <a:ext cx="4214737" cy="3288720"/>
           </a:xfrm>
           <a:prstGeom prst="rect">
             <a:avLst/>
@@ -7908,7 +8534,7 @@
           <p:cNvPr id="11" name="CuadroTexto 10">
             <a:extLst>
               <a:ext uri="{FF2B5EF4-FFF2-40B4-BE49-F238E27FC236}">
-                <a16:creationId xmlns:a16="http://schemas.microsoft.com/office/drawing/2014/main" id="{F32E3DFD-5B93-7D9E-39B4-EC5C93CAD066}"/>
+                <a16:creationId xmlns:a16="http://schemas.microsoft.com/office/drawing/2014/main" id="{4CDFA13A-134B-EFAC-4118-AB5BAA568F1D}"/>
               </a:ext>
             </a:extLst>
           </p:cNvPr>
@@ -7917,8 +8543,8 @@
         </p:nvSpPr>
         <p:spPr>
           <a:xfrm>
-            <a:off x="4233068" y="1275300"/>
-            <a:ext cx="4270905" cy="369332"/>
+            <a:off x="9344953" y="4873305"/>
+            <a:ext cx="2286000" cy="400110"/>
           </a:xfrm>
           <a:prstGeom prst="rect">
             <a:avLst/>
@@ -7933,251 +8559,25 @@
           <a:p>
             <a:pPr algn="ctr"/>
             <a:r>
-              <a:rPr lang="es-MX" b="1" dirty="0"/>
-              <a:t>Data de Entrenamiento (Laboratorio)</a:t>
-            </a:r>
-            <a:endParaRPr lang="es-PE" b="1" dirty="0"/>
+              <a:rPr lang="es-MX" sz="2000" b="1" dirty="0">
+                <a:solidFill>
+                  <a:srgbClr val="FF0000"/>
+                </a:solidFill>
+              </a:rPr>
+              <a:t>Error = 3.06%</a:t>
+            </a:r>
+            <a:endParaRPr lang="es-PE" sz="2000" b="1" dirty="0">
+              <a:solidFill>
+                <a:srgbClr val="FF0000"/>
+              </a:solidFill>
+            </a:endParaRPr>
           </a:p>
         </p:txBody>
       </p:sp>
     </p:spTree>
     <p:extLst>
       <p:ext uri="{BB962C8B-B14F-4D97-AF65-F5344CB8AC3E}">
-        <p14:creationId xmlns:p14="http://schemas.microsoft.com/office/powerpoint/2010/main" val="154426433"/>
-      </p:ext>
-    </p:extLst>
-  </p:cSld>
-  <p:clrMapOvr>
-    <a:masterClrMapping/>
-  </p:clrMapOvr>
-</p:sld>
-</file>
-
-<file path=ppt/slides/slide8.xml><?xml version="1.0" encoding="utf-8"?>
-<p:sld xmlns:a="http://schemas.openxmlformats.org/drawingml/2006/main" xmlns:r="http://schemas.openxmlformats.org/officeDocument/2006/relationships" xmlns:p="http://schemas.openxmlformats.org/presentationml/2006/main">
-  <p:cSld>
-    <p:spTree>
-      <p:nvGrpSpPr>
-        <p:cNvPr id="1" name=""/>
-        <p:cNvGrpSpPr/>
-        <p:nvPr/>
-      </p:nvGrpSpPr>
-      <p:grpSpPr>
-        <a:xfrm>
-          <a:off x="0" y="0"/>
-          <a:ext cx="0" cy="0"/>
-          <a:chOff x="0" y="0"/>
-          <a:chExt cx="0" cy="0"/>
-        </a:xfrm>
-      </p:grpSpPr>
-      <p:sp>
-        <p:nvSpPr>
-          <p:cNvPr id="2" name="Título 1">
-            <a:extLst>
-              <a:ext uri="{FF2B5EF4-FFF2-40B4-BE49-F238E27FC236}">
-                <a16:creationId xmlns:a16="http://schemas.microsoft.com/office/drawing/2014/main" id="{02D5FBDF-E52A-C706-4C29-141EC6320B19}"/>
-              </a:ext>
-            </a:extLst>
-          </p:cNvPr>
-          <p:cNvSpPr>
-            <a:spLocks noGrp="1"/>
-          </p:cNvSpPr>
-          <p:nvPr>
-            <p:ph type="title"/>
-          </p:nvPr>
-        </p:nvSpPr>
-        <p:spPr/>
-        <p:txBody>
-          <a:bodyPr/>
-          <a:lstStyle/>
-          <a:p>
-            <a:r>
-              <a:rPr lang="es-ES" b="1" dirty="0">
-                <a:cs typeface="Arial"/>
-              </a:rPr>
-              <a:t>EDA – ANEXO</a:t>
-            </a:r>
-            <a:endParaRPr lang="es-ES" b="1" dirty="0"/>
-          </a:p>
-        </p:txBody>
-      </p:sp>
-      <p:sp>
-        <p:nvSpPr>
-          <p:cNvPr id="6" name="CuadroTexto 5">
-            <a:extLst>
-              <a:ext uri="{FF2B5EF4-FFF2-40B4-BE49-F238E27FC236}">
-                <a16:creationId xmlns:a16="http://schemas.microsoft.com/office/drawing/2014/main" id="{D7BEC932-B00F-2659-3B7F-C6936FDE53E3}"/>
-              </a:ext>
-            </a:extLst>
-          </p:cNvPr>
-          <p:cNvSpPr txBox="1"/>
-          <p:nvPr/>
-        </p:nvSpPr>
-        <p:spPr>
-          <a:xfrm>
-            <a:off x="944441" y="1503387"/>
-            <a:ext cx="4770743" cy="369332"/>
-          </a:xfrm>
-          <a:prstGeom prst="rect">
-            <a:avLst/>
-          </a:prstGeom>
-          <a:noFill/>
-        </p:spPr>
-        <p:txBody>
-          <a:bodyPr wrap="square" rtlCol="0">
-            <a:spAutoFit/>
-          </a:bodyPr>
-          <a:lstStyle/>
-          <a:p>
-            <a:pPr algn="ctr"/>
-            <a:r>
-              <a:rPr lang="es-MX" b="1" dirty="0"/>
-              <a:t>%Al</a:t>
-            </a:r>
-            <a:r>
-              <a:rPr lang="es-PE" b="1" dirty="0"/>
-              <a:t> - SPI</a:t>
-            </a:r>
-          </a:p>
-        </p:txBody>
-      </p:sp>
-      <p:sp>
-        <p:nvSpPr>
-          <p:cNvPr id="8" name="CuadroTexto 7">
-            <a:extLst>
-              <a:ext uri="{FF2B5EF4-FFF2-40B4-BE49-F238E27FC236}">
-                <a16:creationId xmlns:a16="http://schemas.microsoft.com/office/drawing/2014/main" id="{0BB34513-B8FD-57C2-66C8-8537ABDF53B6}"/>
-              </a:ext>
-            </a:extLst>
-          </p:cNvPr>
-          <p:cNvSpPr txBox="1"/>
-          <p:nvPr/>
-        </p:nvSpPr>
-        <p:spPr>
-          <a:xfrm>
-            <a:off x="6628058" y="1528584"/>
-            <a:ext cx="4856673" cy="369332"/>
-          </a:xfrm>
-          <a:prstGeom prst="rect">
-            <a:avLst/>
-          </a:prstGeom>
-          <a:noFill/>
-        </p:spPr>
-        <p:txBody>
-          <a:bodyPr wrap="square" rtlCol="0">
-            <a:spAutoFit/>
-          </a:bodyPr>
-          <a:lstStyle/>
-          <a:p>
-            <a:pPr algn="ctr"/>
-            <a:r>
-              <a:rPr lang="es-PE" b="1" dirty="0"/>
-              <a:t>%Al - BWI</a:t>
-            </a:r>
-          </a:p>
-        </p:txBody>
-      </p:sp>
-      <p:pic>
-        <p:nvPicPr>
-          <p:cNvPr id="4" name="Imagen 3">
-            <a:extLst>
-              <a:ext uri="{FF2B5EF4-FFF2-40B4-BE49-F238E27FC236}">
-                <a16:creationId xmlns:a16="http://schemas.microsoft.com/office/drawing/2014/main" id="{8EBF1ED8-527E-912E-A0DC-428E90800F74}"/>
-              </a:ext>
-            </a:extLst>
-          </p:cNvPr>
-          <p:cNvPicPr>
-            <a:picLocks noChangeAspect="1"/>
-          </p:cNvPicPr>
-          <p:nvPr/>
-        </p:nvPicPr>
-        <p:blipFill>
-          <a:blip r:embed="rId2"/>
-          <a:stretch>
-            <a:fillRect/>
-          </a:stretch>
-        </p:blipFill>
-        <p:spPr>
-          <a:xfrm>
-            <a:off x="354307" y="1872720"/>
-            <a:ext cx="5476875" cy="4162425"/>
-          </a:xfrm>
-          <a:prstGeom prst="rect">
-            <a:avLst/>
-          </a:prstGeom>
-        </p:spPr>
-      </p:pic>
-      <p:pic>
-        <p:nvPicPr>
-          <p:cNvPr id="9" name="Imagen 8">
-            <a:extLst>
-              <a:ext uri="{FF2B5EF4-FFF2-40B4-BE49-F238E27FC236}">
-                <a16:creationId xmlns:a16="http://schemas.microsoft.com/office/drawing/2014/main" id="{4EEF2C82-88B0-F928-6936-3E2F44B133A9}"/>
-              </a:ext>
-            </a:extLst>
-          </p:cNvPr>
-          <p:cNvPicPr>
-            <a:picLocks noChangeAspect="1"/>
-          </p:cNvPicPr>
-          <p:nvPr/>
-        </p:nvPicPr>
-        <p:blipFill>
-          <a:blip r:embed="rId3"/>
-          <a:stretch>
-            <a:fillRect/>
-          </a:stretch>
-        </p:blipFill>
-        <p:spPr>
-          <a:xfrm>
-            <a:off x="6360820" y="1872719"/>
-            <a:ext cx="5391150" cy="4162425"/>
-          </a:xfrm>
-          <a:prstGeom prst="rect">
-            <a:avLst/>
-          </a:prstGeom>
-        </p:spPr>
-      </p:pic>
-      <p:sp>
-        <p:nvSpPr>
-          <p:cNvPr id="11" name="CuadroTexto 10">
-            <a:extLst>
-              <a:ext uri="{FF2B5EF4-FFF2-40B4-BE49-F238E27FC236}">
-                <a16:creationId xmlns:a16="http://schemas.microsoft.com/office/drawing/2014/main" id="{1E3C447A-65BA-60C1-233A-72D4BDAE32C2}"/>
-              </a:ext>
-            </a:extLst>
-          </p:cNvPr>
-          <p:cNvSpPr txBox="1"/>
-          <p:nvPr/>
-        </p:nvSpPr>
-        <p:spPr>
-          <a:xfrm>
-            <a:off x="3990181" y="1134055"/>
-            <a:ext cx="4211638" cy="369332"/>
-          </a:xfrm>
-          <a:prstGeom prst="rect">
-            <a:avLst/>
-          </a:prstGeom>
-          <a:noFill/>
-        </p:spPr>
-        <p:txBody>
-          <a:bodyPr wrap="square" rtlCol="0">
-            <a:spAutoFit/>
-          </a:bodyPr>
-          <a:lstStyle/>
-          <a:p>
-            <a:pPr algn="ctr"/>
-            <a:r>
-              <a:rPr lang="es-MX" b="1" dirty="0"/>
-              <a:t>Data de bwilt23</a:t>
-            </a:r>
-            <a:endParaRPr lang="es-PE" b="1" dirty="0"/>
-          </a:p>
-        </p:txBody>
-      </p:sp>
-    </p:spTree>
-    <p:extLst>
-      <p:ext uri="{BB962C8B-B14F-4D97-AF65-F5344CB8AC3E}">
-        <p14:creationId xmlns:p14="http://schemas.microsoft.com/office/powerpoint/2010/main" val="1022530261"/>
+        <p14:creationId xmlns:p14="http://schemas.microsoft.com/office/powerpoint/2010/main" val="3494978868"/>
       </p:ext>
     </p:extLst>
   </p:cSld>
@@ -9039,19 +9439,6 @@
 </file>
 
 <file path=customXml/item1.xml><?xml version="1.0" encoding="utf-8"?>
-<p:properties xmlns:p="http://schemas.microsoft.com/office/2006/metadata/properties" xmlns:xsi="http://www.w3.org/2001/XMLSchema-instance" xmlns:pc="http://schemas.microsoft.com/office/infopath/2007/PartnerControls">
-  <documentManagement>
-    <lcf76f155ced4ddcb4097134ff3c332f xmlns="46d0320e-5f6e-4d42-9f2e-84d7edd19252">
-      <Terms xmlns="http://schemas.microsoft.com/office/infopath/2007/PartnerControls"/>
-    </lcf76f155ced4ddcb4097134ff3c332f>
-    <TaxCatchAll xmlns="1cf76789-9884-496e-8af4-adcbaf9d512d" xsi:nil="true"/>
-    <_ip_UnifiedCompliancePolicyUIAction xmlns="http://schemas.microsoft.com/sharepoint/v3" xsi:nil="true"/>
-    <_ip_UnifiedCompliancePolicyProperties xmlns="http://schemas.microsoft.com/sharepoint/v3" xsi:nil="true"/>
-  </documentManagement>
-</p:properties>
-</file>
-
-<file path=customXml/item2.xml><?xml version="1.0" encoding="utf-8"?>
 <ct:contentTypeSchema xmlns:ct="http://schemas.microsoft.com/office/2006/metadata/contentType" xmlns:ma="http://schemas.microsoft.com/office/2006/metadata/properties/metaAttributes" ct:_="" ma:_="" ma:contentTypeName="Documento" ma:contentTypeID="0x010100C252CF317EEF844BB5FB90F26C269611" ma:contentTypeVersion="15" ma:contentTypeDescription="Crear nuevo documento." ma:contentTypeScope="" ma:versionID="ca5d58f902e0bcc761fc1779d7961464">
   <xsd:schema xmlns:xsd="http://www.w3.org/2001/XMLSchema" xmlns:xs="http://www.w3.org/2001/XMLSchema" xmlns:p="http://schemas.microsoft.com/office/2006/metadata/properties" xmlns:ns1="http://schemas.microsoft.com/sharepoint/v3" xmlns:ns2="46d0320e-5f6e-4d42-9f2e-84d7edd19252" xmlns:ns3="1cf76789-9884-496e-8af4-adcbaf9d512d" targetNamespace="http://schemas.microsoft.com/office/2006/metadata/properties" ma:root="true" ma:fieldsID="a7d676fa91386f7f995c7b4d7b54392c" ns1:_="" ns2:_="" ns3:_="">
     <xsd:import namespace="http://schemas.microsoft.com/sharepoint/v3"/>
@@ -9291,6 +9678,19 @@
 </ct:contentTypeSchema>
 </file>
 
+<file path=customXml/item2.xml><?xml version="1.0" encoding="utf-8"?>
+<p:properties xmlns:p="http://schemas.microsoft.com/office/2006/metadata/properties" xmlns:xsi="http://www.w3.org/2001/XMLSchema-instance" xmlns:pc="http://schemas.microsoft.com/office/infopath/2007/PartnerControls">
+  <documentManagement>
+    <lcf76f155ced4ddcb4097134ff3c332f xmlns="46d0320e-5f6e-4d42-9f2e-84d7edd19252">
+      <Terms xmlns="http://schemas.microsoft.com/office/infopath/2007/PartnerControls"/>
+    </lcf76f155ced4ddcb4097134ff3c332f>
+    <TaxCatchAll xmlns="1cf76789-9884-496e-8af4-adcbaf9d512d" xsi:nil="true"/>
+    <_ip_UnifiedCompliancePolicyUIAction xmlns="http://schemas.microsoft.com/sharepoint/v3" xsi:nil="true"/>
+    <_ip_UnifiedCompliancePolicyProperties xmlns="http://schemas.microsoft.com/sharepoint/v3" xsi:nil="true"/>
+  </documentManagement>
+</p:properties>
+</file>
+
 <file path=customXml/item3.xml><?xml version="1.0" encoding="utf-8"?>
 <?mso-contentType ?>
 <FormTemplates xmlns="http://schemas.microsoft.com/sharepoint/v3/contenttype/forms">
@@ -9301,24 +9701,6 @@
 </file>
 
 <file path=customXml/itemProps1.xml><?xml version="1.0" encoding="utf-8"?>
-<ds:datastoreItem xmlns:ds="http://schemas.openxmlformats.org/officeDocument/2006/customXml" ds:itemID="{F3FDD34D-06F1-4263-B6FB-0798BAD9A619}">
-  <ds:schemaRefs>
-    <ds:schemaRef ds:uri="1cf76789-9884-496e-8af4-adcbaf9d512d"/>
-    <ds:schemaRef ds:uri="46d0320e-5f6e-4d42-9f2e-84d7edd19252"/>
-    <ds:schemaRef ds:uri="http://purl.org/dc/dcmitype/"/>
-    <ds:schemaRef ds:uri="http://purl.org/dc/elements/1.1/"/>
-    <ds:schemaRef ds:uri="http://purl.org/dc/terms/"/>
-    <ds:schemaRef ds:uri="http://schemas.microsoft.com/office/2006/documentManagement/types"/>
-    <ds:schemaRef ds:uri="http://schemas.microsoft.com/office/2006/metadata/properties"/>
-    <ds:schemaRef ds:uri="http://schemas.microsoft.com/office/infopath/2007/PartnerControls"/>
-    <ds:schemaRef ds:uri="http://schemas.microsoft.com/sharepoint/v3"/>
-    <ds:schemaRef ds:uri="http://schemas.openxmlformats.org/package/2006/metadata/core-properties"/>
-    <ds:schemaRef ds:uri="http://www.w3.org/XML/1998/namespace"/>
-  </ds:schemaRefs>
-</ds:datastoreItem>
-</file>
-
-<file path=customXml/itemProps2.xml><?xml version="1.0" encoding="utf-8"?>
 <ds:datastoreItem xmlns:ds="http://schemas.openxmlformats.org/officeDocument/2006/customXml" ds:itemID="{0421872D-8DDD-4856-9405-2C7712D90A77}">
   <ds:schemaRefs>
     <ds:schemaRef ds:uri="1cf76789-9884-496e-8af4-adcbaf9d512d"/>
@@ -9338,6 +9720,24 @@
 </ds:datastoreItem>
 </file>
 
+<file path=customXml/itemProps2.xml><?xml version="1.0" encoding="utf-8"?>
+<ds:datastoreItem xmlns:ds="http://schemas.openxmlformats.org/officeDocument/2006/customXml" ds:itemID="{F3FDD34D-06F1-4263-B6FB-0798BAD9A619}">
+  <ds:schemaRefs>
+    <ds:schemaRef ds:uri="1cf76789-9884-496e-8af4-adcbaf9d512d"/>
+    <ds:schemaRef ds:uri="46d0320e-5f6e-4d42-9f2e-84d7edd19252"/>
+    <ds:schemaRef ds:uri="http://purl.org/dc/dcmitype/"/>
+    <ds:schemaRef ds:uri="http://purl.org/dc/elements/1.1/"/>
+    <ds:schemaRef ds:uri="http://purl.org/dc/terms/"/>
+    <ds:schemaRef ds:uri="http://schemas.microsoft.com/office/2006/documentManagement/types"/>
+    <ds:schemaRef ds:uri="http://schemas.microsoft.com/office/2006/metadata/properties"/>
+    <ds:schemaRef ds:uri="http://schemas.microsoft.com/office/infopath/2007/PartnerControls"/>
+    <ds:schemaRef ds:uri="http://schemas.microsoft.com/sharepoint/v3"/>
+    <ds:schemaRef ds:uri="http://schemas.openxmlformats.org/package/2006/metadata/core-properties"/>
+    <ds:schemaRef ds:uri="http://www.w3.org/XML/1998/namespace"/>
+  </ds:schemaRefs>
+</ds:datastoreItem>
+</file>
+
 <file path=customXml/itemProps3.xml><?xml version="1.0" encoding="utf-8"?>
 <ds:datastoreItem xmlns:ds="http://schemas.openxmlformats.org/officeDocument/2006/customXml" ds:itemID="{B8768B20-82ED-47FA-98FD-C2A350943A78}">
   <ds:schemaRefs>

--- a/01_Analisis/Estadisticas y Resultados.pptx
+++ b/01_Analisis/Estadisticas y Resultados.pptx
@@ -5,10 +5,10 @@
     <p:sldMasterId id="2147483648" r:id="rId4"/>
   </p:sldMasterIdLst>
   <p:notesMasterIdLst>
-    <p:notesMasterId r:id="rId12"/>
+    <p:notesMasterId r:id="rId13"/>
   </p:notesMasterIdLst>
   <p:handoutMasterIdLst>
-    <p:handoutMasterId r:id="rId13"/>
+    <p:handoutMasterId r:id="rId14"/>
   </p:handoutMasterIdLst>
   <p:sldIdLst>
     <p:sldId id="4053" r:id="rId5"/>
@@ -18,6 +18,7 @@
     <p:sldId id="4115" r:id="rId9"/>
     <p:sldId id="4116" r:id="rId10"/>
     <p:sldId id="4117" r:id="rId11"/>
+    <p:sldId id="4118" r:id="rId12"/>
   </p:sldIdLst>
   <p:sldSz cx="12192000" cy="6858000"/>
   <p:notesSz cx="6808788" cy="9940925"/>
@@ -128,6 +129,7 @@
             <p14:sldId id="4115"/>
             <p14:sldId id="4116"/>
             <p14:sldId id="4117"/>
+            <p14:sldId id="4118"/>
           </p14:sldIdLst>
         </p14:section>
       </p14:sectionLst>
@@ -242,7 +244,7 @@
           <a:p>
             <a:fld id="{D0DCDFB3-D385-45D1-9FB6-5DEA5FA0C6FE}" type="datetimeFigureOut">
               <a:rPr lang="es-PE" smtClean="0"/>
-              <a:t>12/01/2024</a:t>
+              <a:t>14/01/2024</a:t>
             </a:fld>
             <a:endParaRPr lang="es-PE"/>
           </a:p>
@@ -419,7 +421,7 @@
           <a:p>
             <a:fld id="{C93C8398-A9F7-4CE2-900C-78B070332CEB}" type="datetimeFigureOut">
               <a:rPr lang="es-PE" smtClean="0"/>
-              <a:t>12/01/2024</a:t>
+              <a:t>14/01/2024</a:t>
             </a:fld>
             <a:endParaRPr lang="es-PE"/>
           </a:p>
@@ -975,7 +977,7 @@
             <a:fld id="{7BF28A98-F1F1-114A-A921-719DAA7DFDBD}" type="datetimeFigureOut">
               <a:rPr lang="es-PE" smtClean="0"/>
               <a:pPr/>
-              <a:t>12/01/2024</a:t>
+              <a:t>14/01/2024</a:t>
             </a:fld>
             <a:endParaRPr lang="es-PE"/>
           </a:p>
@@ -1370,7 +1372,7 @@
           <a:p>
             <a:fld id="{7BF28A98-F1F1-114A-A921-719DAA7DFDBD}" type="datetimeFigureOut">
               <a:rPr lang="es-PE" smtClean="0"/>
-              <a:t>12/01/2024</a:t>
+              <a:t>14/01/2024</a:t>
             </a:fld>
             <a:endParaRPr lang="es-PE"/>
           </a:p>
@@ -1483,7 +1485,7 @@
           <a:p>
             <a:fld id="{7BF28A98-F1F1-114A-A921-719DAA7DFDBD}" type="datetimeFigureOut">
               <a:rPr lang="es-PE" smtClean="0"/>
-              <a:t>12/01/2024</a:t>
+              <a:t>14/01/2024</a:t>
             </a:fld>
             <a:endParaRPr lang="es-PE"/>
           </a:p>
@@ -1604,7 +1606,7 @@
           <a:p>
             <a:fld id="{7BF28A98-F1F1-114A-A921-719DAA7DFDBD}" type="datetimeFigureOut">
               <a:rPr lang="es-PE" smtClean="0"/>
-              <a:t>12/01/2024</a:t>
+              <a:t>14/01/2024</a:t>
             </a:fld>
             <a:endParaRPr lang="es-PE"/>
           </a:p>
@@ -2005,7 +2007,7 @@
           <a:p>
             <a:fld id="{7BF28A98-F1F1-114A-A921-719DAA7DFDBD}" type="datetimeFigureOut">
               <a:rPr lang="es-PE" smtClean="0"/>
-              <a:t>12/01/2024</a:t>
+              <a:t>14/01/2024</a:t>
             </a:fld>
             <a:endParaRPr lang="es-PE"/>
           </a:p>
@@ -2294,7 +2296,7 @@
           <a:p>
             <a:fld id="{7BF28A98-F1F1-114A-A921-719DAA7DFDBD}" type="datetimeFigureOut">
               <a:rPr lang="es-PE" smtClean="0"/>
-              <a:t>12/01/2024</a:t>
+              <a:t>14/01/2024</a:t>
             </a:fld>
             <a:endParaRPr lang="es-PE"/>
           </a:p>
@@ -2494,7 +2496,7 @@
           <a:p>
             <a:fld id="{7BF28A98-F1F1-114A-A921-719DAA7DFDBD}" type="datetimeFigureOut">
               <a:rPr lang="es-PE" smtClean="0"/>
-              <a:t>12/01/2024</a:t>
+              <a:t>14/01/2024</a:t>
             </a:fld>
             <a:endParaRPr lang="es-PE"/>
           </a:p>
@@ -2704,7 +2706,7 @@
           <a:p>
             <a:fld id="{7BF28A98-F1F1-114A-A921-719DAA7DFDBD}" type="datetimeFigureOut">
               <a:rPr lang="es-PE" smtClean="0"/>
-              <a:t>12/01/2024</a:t>
+              <a:t>14/01/2024</a:t>
             </a:fld>
             <a:endParaRPr lang="es-PE"/>
           </a:p>
@@ -2862,7 +2864,7 @@
           <a:p>
             <a:fld id="{7BF28A98-F1F1-114A-A921-719DAA7DFDBD}" type="datetimeFigureOut">
               <a:rPr lang="es-PE" smtClean="0"/>
-              <a:t>12/01/2024</a:t>
+              <a:t>14/01/2024</a:t>
             </a:fld>
             <a:endParaRPr lang="es-PE"/>
           </a:p>
@@ -3295,7 +3297,7 @@
           <a:p>
             <a:fld id="{7BF28A98-F1F1-114A-A921-719DAA7DFDBD}" type="datetimeFigureOut">
               <a:rPr lang="es-PE" smtClean="0"/>
-              <a:t>12/01/2024</a:t>
+              <a:t>14/01/2024</a:t>
             </a:fld>
             <a:endParaRPr lang="es-PE"/>
           </a:p>
@@ -3727,7 +3729,7 @@
           <a:p>
             <a:fld id="{7BF28A98-F1F1-114A-A921-719DAA7DFDBD}" type="datetimeFigureOut">
               <a:rPr lang="es-PE" smtClean="0"/>
-              <a:t>12/01/2024</a:t>
+              <a:t>14/01/2024</a:t>
             </a:fld>
             <a:endParaRPr lang="es-PE"/>
           </a:p>
@@ -4097,7 +4099,7 @@
           <a:p>
             <a:fld id="{7BF28A98-F1F1-114A-A921-719DAA7DFDBD}" type="datetimeFigureOut">
               <a:rPr lang="es-PE" smtClean="0"/>
-              <a:t>12/01/2024</a:t>
+              <a:t>14/01/2024</a:t>
             </a:fld>
             <a:endParaRPr lang="es-PE"/>
           </a:p>
@@ -4477,7 +4479,7 @@
           <a:p>
             <a:fld id="{7BF28A98-F1F1-114A-A921-719DAA7DFDBD}" type="datetimeFigureOut">
               <a:rPr lang="es-PE" smtClean="0"/>
-              <a:t>12/01/2024</a:t>
+              <a:t>14/01/2024</a:t>
             </a:fld>
             <a:endParaRPr lang="es-PE"/>
           </a:p>
@@ -4790,7 +4792,7 @@
           <a:p>
             <a:fld id="{7BF28A98-F1F1-114A-A921-719DAA7DFDBD}" type="datetimeFigureOut">
               <a:rPr lang="es-PE" smtClean="0"/>
-              <a:t>12/01/2024</a:t>
+              <a:t>14/01/2024</a:t>
             </a:fld>
             <a:endParaRPr lang="es-PE"/>
           </a:p>
@@ -5252,7 +5254,7 @@
           <a:p>
             <a:fld id="{7BF28A98-F1F1-114A-A921-719DAA7DFDBD}" type="datetimeFigureOut">
               <a:rPr lang="es-PE" smtClean="0"/>
-              <a:t>12/01/2024</a:t>
+              <a:t>14/01/2024</a:t>
             </a:fld>
             <a:endParaRPr lang="es-PE"/>
           </a:p>
@@ -5520,7 +5522,7 @@
           <a:p>
             <a:fld id="{7BF28A98-F1F1-114A-A921-719DAA7DFDBD}" type="datetimeFigureOut">
               <a:rPr lang="es-PE" smtClean="0"/>
-              <a:t>12/01/2024</a:t>
+              <a:t>14/01/2024</a:t>
             </a:fld>
             <a:endParaRPr lang="es-PE"/>
           </a:p>
@@ -5763,7 +5765,7 @@
           <a:p>
             <a:fld id="{7BF28A98-F1F1-114A-A921-719DAA7DFDBD}" type="datetimeFigureOut">
               <a:rPr lang="es-PE" smtClean="0"/>
-              <a:t>12/01/2024</a:t>
+              <a:t>14/01/2024</a:t>
             </a:fld>
             <a:endParaRPr lang="es-PE"/>
           </a:p>
@@ -7853,12 +7855,207 @@
           </a:p>
         </p:txBody>
       </p:sp>
+      <p:sp>
+        <p:nvSpPr>
+          <p:cNvPr id="6" name="CuadroTexto 5">
+            <a:extLst>
+              <a:ext uri="{FF2B5EF4-FFF2-40B4-BE49-F238E27FC236}">
+                <a16:creationId xmlns:a16="http://schemas.microsoft.com/office/drawing/2014/main" id="{03EC3A98-B498-441E-28DE-3613BA80C283}"/>
+              </a:ext>
+            </a:extLst>
+          </p:cNvPr>
+          <p:cNvSpPr txBox="1"/>
+          <p:nvPr/>
+        </p:nvSpPr>
+        <p:spPr>
+          <a:xfrm>
+            <a:off x="5107557" y="1139636"/>
+            <a:ext cx="4297394" cy="400110"/>
+          </a:xfrm>
+          <a:prstGeom prst="rect">
+            <a:avLst/>
+          </a:prstGeom>
+          <a:noFill/>
+        </p:spPr>
+        <p:txBody>
+          <a:bodyPr wrap="square" rtlCol="0">
+            <a:spAutoFit/>
+          </a:bodyPr>
+          <a:lstStyle/>
+          <a:p>
+            <a:r>
+              <a:rPr lang="es-MX" sz="2000" b="1" dirty="0"/>
+              <a:t>Estadísticas de GeologyML23</a:t>
+            </a:r>
+            <a:endParaRPr lang="es-PE" sz="2000" b="1" dirty="0"/>
+          </a:p>
+        </p:txBody>
+      </p:sp>
+      <p:sp>
+        <p:nvSpPr>
+          <p:cNvPr id="7" name="CuadroTexto 6">
+            <a:extLst>
+              <a:ext uri="{FF2B5EF4-FFF2-40B4-BE49-F238E27FC236}">
+                <a16:creationId xmlns:a16="http://schemas.microsoft.com/office/drawing/2014/main" id="{D28A8A02-6E36-08BF-9D2C-5A723A95F146}"/>
+              </a:ext>
+            </a:extLst>
+          </p:cNvPr>
+          <p:cNvSpPr txBox="1"/>
+          <p:nvPr/>
+        </p:nvSpPr>
+        <p:spPr>
+          <a:xfrm>
+            <a:off x="5107171" y="1862216"/>
+            <a:ext cx="2286000" cy="1323439"/>
+          </a:xfrm>
+          <a:prstGeom prst="rect">
+            <a:avLst/>
+          </a:prstGeom>
+          <a:noFill/>
+        </p:spPr>
+        <p:txBody>
+          <a:bodyPr wrap="square" rtlCol="0">
+            <a:spAutoFit/>
+          </a:bodyPr>
+          <a:lstStyle/>
+          <a:p>
+            <a:pPr marL="342900" indent="-342900">
+              <a:buFont typeface="Arial" panose="020B0604020202020204" pitchFamily="34" charset="0"/>
+              <a:buChar char="•"/>
+            </a:pPr>
+            <a:r>
+              <a:rPr lang="es-MX" sz="2000" b="1" dirty="0" err="1"/>
+              <a:t>std</a:t>
+            </a:r>
+            <a:r>
+              <a:rPr lang="es-MX" sz="2000" b="1" dirty="0"/>
+              <a:t> = 1.15</a:t>
+            </a:r>
+          </a:p>
+          <a:p>
+            <a:pPr marL="342900" indent="-342900">
+              <a:buFont typeface="Arial" panose="020B0604020202020204" pitchFamily="34" charset="0"/>
+              <a:buChar char="•"/>
+            </a:pPr>
+            <a:r>
+              <a:rPr lang="es-MX" sz="2000" b="1" dirty="0"/>
+              <a:t>mean = 17.56</a:t>
+            </a:r>
+          </a:p>
+          <a:p>
+            <a:pPr marL="342900" indent="-342900">
+              <a:buFont typeface="Arial" panose="020B0604020202020204" pitchFamily="34" charset="0"/>
+              <a:buChar char="•"/>
+            </a:pPr>
+            <a:r>
+              <a:rPr lang="es-MX" sz="2000" b="1" dirty="0"/>
+              <a:t>min = 11.20</a:t>
+            </a:r>
+          </a:p>
+          <a:p>
+            <a:pPr marL="342900" indent="-342900">
+              <a:buFont typeface="Arial" panose="020B0604020202020204" pitchFamily="34" charset="0"/>
+              <a:buChar char="•"/>
+            </a:pPr>
+            <a:r>
+              <a:rPr lang="es-MX" sz="2000" b="1" dirty="0" err="1"/>
+              <a:t>max</a:t>
+            </a:r>
+            <a:r>
+              <a:rPr lang="es-MX" sz="2000" b="1" dirty="0"/>
+              <a:t> = 19.27</a:t>
+            </a:r>
+            <a:endParaRPr lang="es-PE" sz="2000" b="1" dirty="0"/>
+          </a:p>
+        </p:txBody>
+      </p:sp>
+      <p:sp>
+        <p:nvSpPr>
+          <p:cNvPr id="8" name="CuadroTexto 7">
+            <a:extLst>
+              <a:ext uri="{FF2B5EF4-FFF2-40B4-BE49-F238E27FC236}">
+                <a16:creationId xmlns:a16="http://schemas.microsoft.com/office/drawing/2014/main" id="{FEBDB68B-3A98-B268-7DB4-7DA45424CBE6}"/>
+              </a:ext>
+            </a:extLst>
+          </p:cNvPr>
+          <p:cNvSpPr txBox="1"/>
+          <p:nvPr/>
+        </p:nvSpPr>
+        <p:spPr>
+          <a:xfrm>
+            <a:off x="5107171" y="1449524"/>
+            <a:ext cx="3562710" cy="400110"/>
+          </a:xfrm>
+          <a:prstGeom prst="rect">
+            <a:avLst/>
+          </a:prstGeom>
+          <a:noFill/>
+        </p:spPr>
+        <p:txBody>
+          <a:bodyPr wrap="square" rtlCol="0">
+            <a:spAutoFit/>
+          </a:bodyPr>
+          <a:lstStyle/>
+          <a:p>
+            <a:r>
+              <a:rPr lang="es-MX" sz="2000" b="1" dirty="0"/>
+              <a:t>BWI</a:t>
+            </a:r>
+            <a:endParaRPr lang="es-PE" sz="2000" b="1" dirty="0"/>
+          </a:p>
+        </p:txBody>
+      </p:sp>
+      <p:sp>
+        <p:nvSpPr>
+          <p:cNvPr id="12" name="CuadroTexto 11">
+            <a:extLst>
+              <a:ext uri="{FF2B5EF4-FFF2-40B4-BE49-F238E27FC236}">
+                <a16:creationId xmlns:a16="http://schemas.microsoft.com/office/drawing/2014/main" id="{CFB071EC-777A-0AF3-3EB4-A31D30B44764}"/>
+              </a:ext>
+            </a:extLst>
+          </p:cNvPr>
+          <p:cNvSpPr txBox="1"/>
+          <p:nvPr/>
+        </p:nvSpPr>
+        <p:spPr>
+          <a:xfrm>
+            <a:off x="9551987" y="4778849"/>
+            <a:ext cx="2286000" cy="400110"/>
+          </a:xfrm>
+          <a:prstGeom prst="rect">
+            <a:avLst/>
+          </a:prstGeom>
+          <a:noFill/>
+        </p:spPr>
+        <p:txBody>
+          <a:bodyPr wrap="square" rtlCol="0">
+            <a:spAutoFit/>
+          </a:bodyPr>
+          <a:lstStyle/>
+          <a:p>
+            <a:pPr algn="ctr"/>
+            <a:r>
+              <a:rPr lang="es-MX" sz="2000" b="1" dirty="0">
+                <a:solidFill>
+                  <a:srgbClr val="FF0000"/>
+                </a:solidFill>
+              </a:rPr>
+              <a:t>Error = 1.79%</a:t>
+            </a:r>
+            <a:endParaRPr lang="es-PE" sz="2000" b="1" dirty="0">
+              <a:solidFill>
+                <a:srgbClr val="FF0000"/>
+              </a:solidFill>
+            </a:endParaRPr>
+          </a:p>
+        </p:txBody>
+      </p:sp>
       <p:pic>
         <p:nvPicPr>
-          <p:cNvPr id="10" name="Imagen 9">
-            <a:extLst>
-              <a:ext uri="{FF2B5EF4-FFF2-40B4-BE49-F238E27FC236}">
-                <a16:creationId xmlns:a16="http://schemas.microsoft.com/office/drawing/2014/main" id="{0B1EB8A6-9AE7-ED47-DC40-44FD6EEBDEF1}"/>
+          <p:cNvPr id="13" name="Imagen 12">
+            <a:extLst>
+              <a:ext uri="{FF2B5EF4-FFF2-40B4-BE49-F238E27FC236}">
+                <a16:creationId xmlns:a16="http://schemas.microsoft.com/office/drawing/2014/main" id="{1DE9EA44-2D0C-C20B-39A5-466FFA11ED46}"/>
               </a:ext>
             </a:extLst>
           </p:cNvPr>
@@ -7875,170 +8072,20 @@
         </p:blipFill>
         <p:spPr>
           <a:xfrm>
-            <a:off x="276376" y="3263295"/>
-            <a:ext cx="4444817" cy="3431218"/>
+            <a:off x="5107171" y="3294591"/>
+            <a:ext cx="4297394" cy="3368626"/>
           </a:xfrm>
           <a:prstGeom prst="rect">
             <a:avLst/>
           </a:prstGeom>
         </p:spPr>
       </p:pic>
-      <p:sp>
-        <p:nvSpPr>
-          <p:cNvPr id="6" name="CuadroTexto 5">
-            <a:extLst>
-              <a:ext uri="{FF2B5EF4-FFF2-40B4-BE49-F238E27FC236}">
-                <a16:creationId xmlns:a16="http://schemas.microsoft.com/office/drawing/2014/main" id="{03EC3A98-B498-441E-28DE-3613BA80C283}"/>
-              </a:ext>
-            </a:extLst>
-          </p:cNvPr>
-          <p:cNvSpPr txBox="1"/>
-          <p:nvPr/>
-        </p:nvSpPr>
-        <p:spPr>
-          <a:xfrm>
-            <a:off x="5107557" y="1139636"/>
-            <a:ext cx="4297394" cy="400110"/>
-          </a:xfrm>
-          <a:prstGeom prst="rect">
-            <a:avLst/>
-          </a:prstGeom>
-          <a:noFill/>
-        </p:spPr>
-        <p:txBody>
-          <a:bodyPr wrap="square" rtlCol="0">
-            <a:spAutoFit/>
-          </a:bodyPr>
-          <a:lstStyle/>
-          <a:p>
-            <a:r>
-              <a:rPr lang="es-MX" sz="2000" b="1" dirty="0"/>
-              <a:t>Estadísticas de GeologyML23</a:t>
-            </a:r>
-            <a:endParaRPr lang="es-PE" sz="2000" b="1" dirty="0"/>
-          </a:p>
-        </p:txBody>
-      </p:sp>
-      <p:sp>
-        <p:nvSpPr>
-          <p:cNvPr id="7" name="CuadroTexto 6">
-            <a:extLst>
-              <a:ext uri="{FF2B5EF4-FFF2-40B4-BE49-F238E27FC236}">
-                <a16:creationId xmlns:a16="http://schemas.microsoft.com/office/drawing/2014/main" id="{D28A8A02-6E36-08BF-9D2C-5A723A95F146}"/>
-              </a:ext>
-            </a:extLst>
-          </p:cNvPr>
-          <p:cNvSpPr txBox="1"/>
-          <p:nvPr/>
-        </p:nvSpPr>
-        <p:spPr>
-          <a:xfrm>
-            <a:off x="5107171" y="1862216"/>
-            <a:ext cx="2286000" cy="1323439"/>
-          </a:xfrm>
-          <a:prstGeom prst="rect">
-            <a:avLst/>
-          </a:prstGeom>
-          <a:noFill/>
-        </p:spPr>
-        <p:txBody>
-          <a:bodyPr wrap="square" rtlCol="0">
-            <a:spAutoFit/>
-          </a:bodyPr>
-          <a:lstStyle/>
-          <a:p>
-            <a:pPr marL="342900" indent="-342900">
-              <a:buFont typeface="Arial" panose="020B0604020202020204" pitchFamily="34" charset="0"/>
-              <a:buChar char="•"/>
-            </a:pPr>
-            <a:r>
-              <a:rPr lang="es-MX" sz="2000" b="1" dirty="0" err="1"/>
-              <a:t>std</a:t>
-            </a:r>
-            <a:r>
-              <a:rPr lang="es-MX" sz="2000" b="1" dirty="0"/>
-              <a:t> = 1.15</a:t>
-            </a:r>
-          </a:p>
-          <a:p>
-            <a:pPr marL="342900" indent="-342900">
-              <a:buFont typeface="Arial" panose="020B0604020202020204" pitchFamily="34" charset="0"/>
-              <a:buChar char="•"/>
-            </a:pPr>
-            <a:r>
-              <a:rPr lang="es-MX" sz="2000" b="1" dirty="0"/>
-              <a:t>mean = 17.56</a:t>
-            </a:r>
-          </a:p>
-          <a:p>
-            <a:pPr marL="342900" indent="-342900">
-              <a:buFont typeface="Arial" panose="020B0604020202020204" pitchFamily="34" charset="0"/>
-              <a:buChar char="•"/>
-            </a:pPr>
-            <a:r>
-              <a:rPr lang="es-MX" sz="2000" b="1" dirty="0"/>
-              <a:t>min = 11.20</a:t>
-            </a:r>
-          </a:p>
-          <a:p>
-            <a:pPr marL="342900" indent="-342900">
-              <a:buFont typeface="Arial" panose="020B0604020202020204" pitchFamily="34" charset="0"/>
-              <a:buChar char="•"/>
-            </a:pPr>
-            <a:r>
-              <a:rPr lang="es-MX" sz="2000" b="1" dirty="0" err="1"/>
-              <a:t>max</a:t>
-            </a:r>
-            <a:r>
-              <a:rPr lang="es-MX" sz="2000" b="1" dirty="0"/>
-              <a:t> = 19.27</a:t>
-            </a:r>
-            <a:endParaRPr lang="es-PE" sz="2000" b="1" dirty="0"/>
-          </a:p>
-        </p:txBody>
-      </p:sp>
-      <p:sp>
-        <p:nvSpPr>
-          <p:cNvPr id="8" name="CuadroTexto 7">
-            <a:extLst>
-              <a:ext uri="{FF2B5EF4-FFF2-40B4-BE49-F238E27FC236}">
-                <a16:creationId xmlns:a16="http://schemas.microsoft.com/office/drawing/2014/main" id="{FEBDB68B-3A98-B268-7DB4-7DA45424CBE6}"/>
-              </a:ext>
-            </a:extLst>
-          </p:cNvPr>
-          <p:cNvSpPr txBox="1"/>
-          <p:nvPr/>
-        </p:nvSpPr>
-        <p:spPr>
-          <a:xfrm>
-            <a:off x="5107171" y="1449524"/>
-            <a:ext cx="3562710" cy="400110"/>
-          </a:xfrm>
-          <a:prstGeom prst="rect">
-            <a:avLst/>
-          </a:prstGeom>
-          <a:noFill/>
-        </p:spPr>
-        <p:txBody>
-          <a:bodyPr wrap="square" rtlCol="0">
-            <a:spAutoFit/>
-          </a:bodyPr>
-          <a:lstStyle/>
-          <a:p>
-            <a:r>
-              <a:rPr lang="es-MX" sz="2000" b="1" dirty="0"/>
-              <a:t>BWI</a:t>
-            </a:r>
-            <a:endParaRPr lang="es-PE" sz="2000" b="1" dirty="0"/>
-          </a:p>
-        </p:txBody>
-      </p:sp>
       <p:pic>
         <p:nvPicPr>
-          <p:cNvPr id="11" name="Imagen 10">
-            <a:extLst>
-              <a:ext uri="{FF2B5EF4-FFF2-40B4-BE49-F238E27FC236}">
-                <a16:creationId xmlns:a16="http://schemas.microsoft.com/office/drawing/2014/main" id="{F4C76061-E025-C35B-BCC8-2E80D4959929}"/>
+          <p:cNvPr id="14" name="Imagen 13">
+            <a:extLst>
+              <a:ext uri="{FF2B5EF4-FFF2-40B4-BE49-F238E27FC236}">
+                <a16:creationId xmlns:a16="http://schemas.microsoft.com/office/drawing/2014/main" id="{B9DB99AE-02F1-DF92-2E5C-3ABC9BFC1FE2}"/>
               </a:ext>
             </a:extLst>
           </p:cNvPr>
@@ -8055,59 +8102,14 @@
         </p:blipFill>
         <p:spPr>
           <a:xfrm>
-            <a:off x="5107171" y="3294591"/>
-            <a:ext cx="4444816" cy="3368626"/>
+            <a:off x="354013" y="3273010"/>
+            <a:ext cx="4444817" cy="3431218"/>
           </a:xfrm>
           <a:prstGeom prst="rect">
             <a:avLst/>
           </a:prstGeom>
         </p:spPr>
       </p:pic>
-      <p:sp>
-        <p:nvSpPr>
-          <p:cNvPr id="12" name="CuadroTexto 11">
-            <a:extLst>
-              <a:ext uri="{FF2B5EF4-FFF2-40B4-BE49-F238E27FC236}">
-                <a16:creationId xmlns:a16="http://schemas.microsoft.com/office/drawing/2014/main" id="{CFB071EC-777A-0AF3-3EB4-A31D30B44764}"/>
-              </a:ext>
-            </a:extLst>
-          </p:cNvPr>
-          <p:cNvSpPr txBox="1"/>
-          <p:nvPr/>
-        </p:nvSpPr>
-        <p:spPr>
-          <a:xfrm>
-            <a:off x="9551987" y="4778849"/>
-            <a:ext cx="2286000" cy="400110"/>
-          </a:xfrm>
-          <a:prstGeom prst="rect">
-            <a:avLst/>
-          </a:prstGeom>
-          <a:noFill/>
-        </p:spPr>
-        <p:txBody>
-          <a:bodyPr wrap="square" rtlCol="0">
-            <a:spAutoFit/>
-          </a:bodyPr>
-          <a:lstStyle/>
-          <a:p>
-            <a:pPr algn="ctr"/>
-            <a:r>
-              <a:rPr lang="es-MX" sz="2000" b="1" dirty="0">
-                <a:solidFill>
-                  <a:srgbClr val="FF0000"/>
-                </a:solidFill>
-              </a:rPr>
-              <a:t>Error = 1.79%</a:t>
-            </a:r>
-            <a:endParaRPr lang="es-PE" sz="2000" b="1" dirty="0">
-              <a:solidFill>
-                <a:srgbClr val="FF0000"/>
-              </a:solidFill>
-            </a:endParaRPr>
-          </a:p>
-        </p:txBody>
-      </p:sp>
     </p:spTree>
     <p:extLst>
       <p:ext uri="{BB962C8B-B14F-4D97-AF65-F5344CB8AC3E}">
@@ -8387,7 +8389,7 @@
             </a:r>
             <a:r>
               <a:rPr lang="es-MX" sz="2000" b="1" dirty="0"/>
-              <a:t> = 19.2</a:t>
+              <a:t> = 21.55</a:t>
             </a:r>
           </a:p>
           <a:p>
@@ -8397,7 +8399,7 @@
             </a:pPr>
             <a:r>
               <a:rPr lang="es-MX" sz="2000" b="1" dirty="0"/>
-              <a:t>mean = 131.81</a:t>
+              <a:t>mean = 132.66</a:t>
             </a:r>
           </a:p>
           <a:p>
@@ -8407,7 +8409,7 @@
             </a:pPr>
             <a:r>
               <a:rPr lang="es-MX" sz="2000" b="1" dirty="0"/>
-              <a:t>min = 46.42</a:t>
+              <a:t>min = 42.11</a:t>
             </a:r>
           </a:p>
           <a:p>
@@ -8421,7 +8423,7 @@
             </a:r>
             <a:r>
               <a:rPr lang="es-MX" sz="2000" b="1" dirty="0"/>
-              <a:t> = 181.92</a:t>
+              <a:t> = 160</a:t>
             </a:r>
             <a:endParaRPr lang="es-PE" sz="2000" b="1" dirty="0"/>
           </a:p>
@@ -8499,12 +8501,57 @@
           </a:p>
         </p:txBody>
       </p:sp>
+      <p:sp>
+        <p:nvSpPr>
+          <p:cNvPr id="11" name="CuadroTexto 10">
+            <a:extLst>
+              <a:ext uri="{FF2B5EF4-FFF2-40B4-BE49-F238E27FC236}">
+                <a16:creationId xmlns:a16="http://schemas.microsoft.com/office/drawing/2014/main" id="{4CDFA13A-134B-EFAC-4118-AB5BAA568F1D}"/>
+              </a:ext>
+            </a:extLst>
+          </p:cNvPr>
+          <p:cNvSpPr txBox="1"/>
+          <p:nvPr/>
+        </p:nvSpPr>
+        <p:spPr>
+          <a:xfrm>
+            <a:off x="9344953" y="4873305"/>
+            <a:ext cx="2286000" cy="400110"/>
+          </a:xfrm>
+          <a:prstGeom prst="rect">
+            <a:avLst/>
+          </a:prstGeom>
+          <a:noFill/>
+        </p:spPr>
+        <p:txBody>
+          <a:bodyPr wrap="square" rtlCol="0">
+            <a:spAutoFit/>
+          </a:bodyPr>
+          <a:lstStyle/>
+          <a:p>
+            <a:pPr algn="ctr"/>
+            <a:r>
+              <a:rPr lang="es-MX" sz="2000" b="1" dirty="0">
+                <a:solidFill>
+                  <a:srgbClr val="FF0000"/>
+                </a:solidFill>
+              </a:rPr>
+              <a:t>Error = 3.72%</a:t>
+            </a:r>
+            <a:endParaRPr lang="es-PE" sz="2000" b="1" dirty="0">
+              <a:solidFill>
+                <a:srgbClr val="FF0000"/>
+              </a:solidFill>
+            </a:endParaRPr>
+          </a:p>
+        </p:txBody>
+      </p:sp>
       <p:pic>
         <p:nvPicPr>
-          <p:cNvPr id="10" name="Imagen 9">
-            <a:extLst>
-              <a:ext uri="{FF2B5EF4-FFF2-40B4-BE49-F238E27FC236}">
-                <a16:creationId xmlns:a16="http://schemas.microsoft.com/office/drawing/2014/main" id="{64A7D789-9D73-E82A-8851-D1D4CF2DC3B8}"/>
+          <p:cNvPr id="13" name="Imagen 12">
+            <a:extLst>
+              <a:ext uri="{FF2B5EF4-FFF2-40B4-BE49-F238E27FC236}">
+                <a16:creationId xmlns:a16="http://schemas.microsoft.com/office/drawing/2014/main" id="{7F7947ED-282B-35C0-8BC5-5D5AEAA5019B}"/>
               </a:ext>
             </a:extLst>
           </p:cNvPr>
@@ -8521,20 +8568,81 @@
         </p:blipFill>
         <p:spPr>
           <a:xfrm>
-            <a:off x="4769068" y="3429000"/>
-            <a:ext cx="4214737" cy="3288720"/>
+            <a:off x="4742261" y="3500631"/>
+            <a:ext cx="4214738" cy="3303835"/>
           </a:xfrm>
           <a:prstGeom prst="rect">
             <a:avLst/>
           </a:prstGeom>
         </p:spPr>
       </p:pic>
-      <p:sp>
-        <p:nvSpPr>
-          <p:cNvPr id="11" name="CuadroTexto 10">
-            <a:extLst>
-              <a:ext uri="{FF2B5EF4-FFF2-40B4-BE49-F238E27FC236}">
-                <a16:creationId xmlns:a16="http://schemas.microsoft.com/office/drawing/2014/main" id="{4CDFA13A-134B-EFAC-4118-AB5BAA568F1D}"/>
+    </p:spTree>
+    <p:extLst>
+      <p:ext uri="{BB962C8B-B14F-4D97-AF65-F5344CB8AC3E}">
+        <p14:creationId xmlns:p14="http://schemas.microsoft.com/office/powerpoint/2010/main" val="3494978868"/>
+      </p:ext>
+    </p:extLst>
+  </p:cSld>
+  <p:clrMapOvr>
+    <a:masterClrMapping/>
+  </p:clrMapOvr>
+</p:sld>
+</file>
+
+<file path=ppt/slides/slide8.xml><?xml version="1.0" encoding="utf-8"?>
+<p:sld xmlns:a="http://schemas.openxmlformats.org/drawingml/2006/main" xmlns:r="http://schemas.openxmlformats.org/officeDocument/2006/relationships" xmlns:p="http://schemas.openxmlformats.org/presentationml/2006/main">
+  <p:cSld>
+    <p:spTree>
+      <p:nvGrpSpPr>
+        <p:cNvPr id="1" name=""/>
+        <p:cNvGrpSpPr/>
+        <p:nvPr/>
+      </p:nvGrpSpPr>
+      <p:grpSpPr>
+        <a:xfrm>
+          <a:off x="0" y="0"/>
+          <a:ext cx="0" cy="0"/>
+          <a:chOff x="0" y="0"/>
+          <a:chExt cx="0" cy="0"/>
+        </a:xfrm>
+      </p:grpSpPr>
+      <p:sp>
+        <p:nvSpPr>
+          <p:cNvPr id="2" name="Título 1">
+            <a:extLst>
+              <a:ext uri="{FF2B5EF4-FFF2-40B4-BE49-F238E27FC236}">
+                <a16:creationId xmlns:a16="http://schemas.microsoft.com/office/drawing/2014/main" id="{02D5FBDF-E52A-C706-4C29-141EC6320B19}"/>
+              </a:ext>
+            </a:extLst>
+          </p:cNvPr>
+          <p:cNvSpPr>
+            <a:spLocks noGrp="1"/>
+          </p:cNvSpPr>
+          <p:nvPr>
+            <p:ph type="title"/>
+          </p:nvPr>
+        </p:nvSpPr>
+        <p:spPr/>
+        <p:txBody>
+          <a:bodyPr/>
+          <a:lstStyle/>
+          <a:p>
+            <a:r>
+              <a:rPr lang="es-ES" b="1" dirty="0">
+                <a:cs typeface="Arial"/>
+              </a:rPr>
+              <a:t>Conclusiones</a:t>
+            </a:r>
+            <a:endParaRPr lang="es-ES" b="1" dirty="0"/>
+          </a:p>
+        </p:txBody>
+      </p:sp>
+      <p:sp>
+        <p:nvSpPr>
+          <p:cNvPr id="7" name="CuadroTexto 6">
+            <a:extLst>
+              <a:ext uri="{FF2B5EF4-FFF2-40B4-BE49-F238E27FC236}">
+                <a16:creationId xmlns:a16="http://schemas.microsoft.com/office/drawing/2014/main" id="{43791CDC-473F-F009-7FCA-8EBE2F8B3AA6}"/>
               </a:ext>
             </a:extLst>
           </p:cNvPr>
@@ -8543,8 +8651,8 @@
         </p:nvSpPr>
         <p:spPr>
           <a:xfrm>
-            <a:off x="9344953" y="4873305"/>
-            <a:ext cx="2286000" cy="400110"/>
+            <a:off x="1155940" y="1846053"/>
+            <a:ext cx="9550530" cy="2776401"/>
           </a:xfrm>
           <a:prstGeom prst="rect">
             <a:avLst/>
@@ -8557,27 +8665,38 @@
           </a:bodyPr>
           <a:lstStyle/>
           <a:p>
-            <a:pPr algn="ctr"/>
-            <a:r>
-              <a:rPr lang="es-MX" sz="2000" b="1" dirty="0">
-                <a:solidFill>
-                  <a:srgbClr val="FF0000"/>
-                </a:solidFill>
-              </a:rPr>
-              <a:t>Error = 3.06%</a:t>
-            </a:r>
-            <a:endParaRPr lang="es-PE" sz="2000" b="1" dirty="0">
-              <a:solidFill>
-                <a:srgbClr val="FF0000"/>
-              </a:solidFill>
-            </a:endParaRPr>
+            <a:pPr marL="285750" indent="-285750">
+              <a:lnSpc>
+                <a:spcPct val="200000"/>
+              </a:lnSpc>
+              <a:buFont typeface="Arial" panose="020B0604020202020204" pitchFamily="34" charset="0"/>
+              <a:buChar char="•"/>
+            </a:pPr>
+            <a:r>
+              <a:rPr lang="es-MX" dirty="0"/>
+              <a:t>Se logró alcanzar el error menor a 5% en las predicciones de SPI y BWI por GeologyML23</a:t>
+            </a:r>
+            <a:endParaRPr lang="es-PE" dirty="0"/>
+          </a:p>
+          <a:p>
+            <a:pPr marL="285750" indent="-285750">
+              <a:lnSpc>
+                <a:spcPct val="200000"/>
+              </a:lnSpc>
+              <a:buFont typeface="Arial" panose="020B0604020202020204" pitchFamily="34" charset="0"/>
+              <a:buChar char="•"/>
+            </a:pPr>
+            <a:r>
+              <a:rPr lang="es-MX" dirty="0"/>
+              <a:t>Según los límites establecidos por el Ing. Omar Gutiérrez las métricas en la predicción de SPI varían levemente respecto al originalmente predicho, pero se sigue estando por debajo del umbral de 5%.</a:t>
+            </a:r>
           </a:p>
         </p:txBody>
       </p:sp>
     </p:spTree>
     <p:extLst>
       <p:ext uri="{BB962C8B-B14F-4D97-AF65-F5344CB8AC3E}">
-        <p14:creationId xmlns:p14="http://schemas.microsoft.com/office/powerpoint/2010/main" val="3494978868"/>
+        <p14:creationId xmlns:p14="http://schemas.microsoft.com/office/powerpoint/2010/main" val="1196876451"/>
       </p:ext>
     </p:extLst>
   </p:cSld>
@@ -9439,6 +9558,19 @@
 </file>
 
 <file path=customXml/item1.xml><?xml version="1.0" encoding="utf-8"?>
+<p:properties xmlns:p="http://schemas.microsoft.com/office/2006/metadata/properties" xmlns:xsi="http://www.w3.org/2001/XMLSchema-instance" xmlns:pc="http://schemas.microsoft.com/office/infopath/2007/PartnerControls">
+  <documentManagement>
+    <lcf76f155ced4ddcb4097134ff3c332f xmlns="46d0320e-5f6e-4d42-9f2e-84d7edd19252">
+      <Terms xmlns="http://schemas.microsoft.com/office/infopath/2007/PartnerControls"/>
+    </lcf76f155ced4ddcb4097134ff3c332f>
+    <TaxCatchAll xmlns="1cf76789-9884-496e-8af4-adcbaf9d512d" xsi:nil="true"/>
+    <_ip_UnifiedCompliancePolicyUIAction xmlns="http://schemas.microsoft.com/sharepoint/v3" xsi:nil="true"/>
+    <_ip_UnifiedCompliancePolicyProperties xmlns="http://schemas.microsoft.com/sharepoint/v3" xsi:nil="true"/>
+  </documentManagement>
+</p:properties>
+</file>
+
+<file path=customXml/item2.xml><?xml version="1.0" encoding="utf-8"?>
 <ct:contentTypeSchema xmlns:ct="http://schemas.microsoft.com/office/2006/metadata/contentType" xmlns:ma="http://schemas.microsoft.com/office/2006/metadata/properties/metaAttributes" ct:_="" ma:_="" ma:contentTypeName="Documento" ma:contentTypeID="0x010100C252CF317EEF844BB5FB90F26C269611" ma:contentTypeVersion="15" ma:contentTypeDescription="Crear nuevo documento." ma:contentTypeScope="" ma:versionID="ca5d58f902e0bcc761fc1779d7961464">
   <xsd:schema xmlns:xsd="http://www.w3.org/2001/XMLSchema" xmlns:xs="http://www.w3.org/2001/XMLSchema" xmlns:p="http://schemas.microsoft.com/office/2006/metadata/properties" xmlns:ns1="http://schemas.microsoft.com/sharepoint/v3" xmlns:ns2="46d0320e-5f6e-4d42-9f2e-84d7edd19252" xmlns:ns3="1cf76789-9884-496e-8af4-adcbaf9d512d" targetNamespace="http://schemas.microsoft.com/office/2006/metadata/properties" ma:root="true" ma:fieldsID="a7d676fa91386f7f995c7b4d7b54392c" ns1:_="" ns2:_="" ns3:_="">
     <xsd:import namespace="http://schemas.microsoft.com/sharepoint/v3"/>
@@ -9678,19 +9810,6 @@
 </ct:contentTypeSchema>
 </file>
 
-<file path=customXml/item2.xml><?xml version="1.0" encoding="utf-8"?>
-<p:properties xmlns:p="http://schemas.microsoft.com/office/2006/metadata/properties" xmlns:xsi="http://www.w3.org/2001/XMLSchema-instance" xmlns:pc="http://schemas.microsoft.com/office/infopath/2007/PartnerControls">
-  <documentManagement>
-    <lcf76f155ced4ddcb4097134ff3c332f xmlns="46d0320e-5f6e-4d42-9f2e-84d7edd19252">
-      <Terms xmlns="http://schemas.microsoft.com/office/infopath/2007/PartnerControls"/>
-    </lcf76f155ced4ddcb4097134ff3c332f>
-    <TaxCatchAll xmlns="1cf76789-9884-496e-8af4-adcbaf9d512d" xsi:nil="true"/>
-    <_ip_UnifiedCompliancePolicyUIAction xmlns="http://schemas.microsoft.com/sharepoint/v3" xsi:nil="true"/>
-    <_ip_UnifiedCompliancePolicyProperties xmlns="http://schemas.microsoft.com/sharepoint/v3" xsi:nil="true"/>
-  </documentManagement>
-</p:properties>
-</file>
-
 <file path=customXml/item3.xml><?xml version="1.0" encoding="utf-8"?>
 <?mso-contentType ?>
 <FormTemplates xmlns="http://schemas.microsoft.com/sharepoint/v3/contenttype/forms">
@@ -9701,6 +9820,24 @@
 </file>
 
 <file path=customXml/itemProps1.xml><?xml version="1.0" encoding="utf-8"?>
+<ds:datastoreItem xmlns:ds="http://schemas.openxmlformats.org/officeDocument/2006/customXml" ds:itemID="{F3FDD34D-06F1-4263-B6FB-0798BAD9A619}">
+  <ds:schemaRefs>
+    <ds:schemaRef ds:uri="1cf76789-9884-496e-8af4-adcbaf9d512d"/>
+    <ds:schemaRef ds:uri="46d0320e-5f6e-4d42-9f2e-84d7edd19252"/>
+    <ds:schemaRef ds:uri="http://purl.org/dc/dcmitype/"/>
+    <ds:schemaRef ds:uri="http://purl.org/dc/elements/1.1/"/>
+    <ds:schemaRef ds:uri="http://purl.org/dc/terms/"/>
+    <ds:schemaRef ds:uri="http://schemas.microsoft.com/office/2006/documentManagement/types"/>
+    <ds:schemaRef ds:uri="http://schemas.microsoft.com/office/2006/metadata/properties"/>
+    <ds:schemaRef ds:uri="http://schemas.microsoft.com/office/infopath/2007/PartnerControls"/>
+    <ds:schemaRef ds:uri="http://schemas.microsoft.com/sharepoint/v3"/>
+    <ds:schemaRef ds:uri="http://schemas.openxmlformats.org/package/2006/metadata/core-properties"/>
+    <ds:schemaRef ds:uri="http://www.w3.org/XML/1998/namespace"/>
+  </ds:schemaRefs>
+</ds:datastoreItem>
+</file>
+
+<file path=customXml/itemProps2.xml><?xml version="1.0" encoding="utf-8"?>
 <ds:datastoreItem xmlns:ds="http://schemas.openxmlformats.org/officeDocument/2006/customXml" ds:itemID="{0421872D-8DDD-4856-9405-2C7712D90A77}">
   <ds:schemaRefs>
     <ds:schemaRef ds:uri="1cf76789-9884-496e-8af4-adcbaf9d512d"/>
@@ -9720,24 +9857,6 @@
 </ds:datastoreItem>
 </file>
 
-<file path=customXml/itemProps2.xml><?xml version="1.0" encoding="utf-8"?>
-<ds:datastoreItem xmlns:ds="http://schemas.openxmlformats.org/officeDocument/2006/customXml" ds:itemID="{F3FDD34D-06F1-4263-B6FB-0798BAD9A619}">
-  <ds:schemaRefs>
-    <ds:schemaRef ds:uri="1cf76789-9884-496e-8af4-adcbaf9d512d"/>
-    <ds:schemaRef ds:uri="46d0320e-5f6e-4d42-9f2e-84d7edd19252"/>
-    <ds:schemaRef ds:uri="http://purl.org/dc/dcmitype/"/>
-    <ds:schemaRef ds:uri="http://purl.org/dc/elements/1.1/"/>
-    <ds:schemaRef ds:uri="http://purl.org/dc/terms/"/>
-    <ds:schemaRef ds:uri="http://schemas.microsoft.com/office/2006/documentManagement/types"/>
-    <ds:schemaRef ds:uri="http://schemas.microsoft.com/office/2006/metadata/properties"/>
-    <ds:schemaRef ds:uri="http://schemas.microsoft.com/office/infopath/2007/PartnerControls"/>
-    <ds:schemaRef ds:uri="http://schemas.microsoft.com/sharepoint/v3"/>
-    <ds:schemaRef ds:uri="http://schemas.openxmlformats.org/package/2006/metadata/core-properties"/>
-    <ds:schemaRef ds:uri="http://www.w3.org/XML/1998/namespace"/>
-  </ds:schemaRefs>
-</ds:datastoreItem>
-</file>
-
 <file path=customXml/itemProps3.xml><?xml version="1.0" encoding="utf-8"?>
 <ds:datastoreItem xmlns:ds="http://schemas.openxmlformats.org/officeDocument/2006/customXml" ds:itemID="{B8768B20-82ED-47FA-98FD-C2A350943A78}">
   <ds:schemaRefs>
